--- a/final_presentation.pptx
+++ b/final_presentation.pptx
@@ -22,6 +22,9 @@
     <p:sldId id="270" r:id="rId16"/>
     <p:sldId id="271" r:id="rId17"/>
     <p:sldId id="272" r:id="rId18"/>
+    <p:sldId id="273" r:id="rId19"/>
+    <p:sldId id="274" r:id="rId20"/>
+    <p:sldId id="275" r:id="rId21"/>
   </p:sldIdLst>
   <p:sldSz cx="18288000" cy="10287000" type="screen4x3"/>
   <p:notesSz cx="10287000" cy="18288000"/>
@@ -309,7 +312,7 @@
           <a:p>
             <a:fld id="{F8166F1F-CE9B-4651-A6AA-CD717754106B}" type="datetimeFigureOut">
               <a:rPr lang="en-US" smtClean="0"/>
-              <a:t>10/2/2021</a:t>
+              <a:t>10/5/2021</a:t>
             </a:fld>
             <a:endParaRPr lang="en-US"/>
           </a:p>
@@ -816,7 +819,7 @@
           <a:p>
             <a:fld id="{A76116CE-C4A3-4A05-B2D7-7C2E9A889C0F}" type="datetimeFigureOut">
               <a:rPr lang="en-US" smtClean="0"/>
-              <a:t>10/2/2021</a:t>
+              <a:t>10/5/2021</a:t>
             </a:fld>
             <a:endParaRPr lang="en-US"/>
           </a:p>
@@ -1057,7 +1060,7 @@
           <a:p>
             <a:fld id="{A76116CE-C4A3-4A05-B2D7-7C2E9A889C0F}" type="datetimeFigureOut">
               <a:rPr lang="en-US" smtClean="0"/>
-              <a:t>10/2/2021</a:t>
+              <a:t>10/5/2021</a:t>
             </a:fld>
             <a:endParaRPr lang="en-US"/>
           </a:p>
@@ -3344,10 +3347,10 @@
         </p:nvGrpSpPr>
         <p:grpSpPr>
           <a:xfrm>
-            <a:off x="309323" y="1881552"/>
-            <a:ext cx="17168772" cy="7829076"/>
-            <a:chOff x="309323" y="1881552"/>
-            <a:chExt cx="17168772" cy="7829076"/>
+            <a:off x="620804" y="3178616"/>
+            <a:ext cx="3523774" cy="5559589"/>
+            <a:chOff x="620804" y="3178616"/>
+            <a:chExt cx="3523774" cy="5559589"/>
           </a:xfrm>
         </p:grpSpPr>
         <p:pic>
@@ -3366,8 +3369,32 @@
           </p:blipFill>
           <p:spPr>
             <a:xfrm>
-              <a:off x="309323" y="1881552"/>
-              <a:ext cx="17168772" cy="7829076"/>
+              <a:off x="-1126320" y="421555"/>
+              <a:ext cx="7047548" cy="11119177"/>
+            </a:xfrm>
+            <a:prstGeom prst="rect">
+              <a:avLst/>
+            </a:prstGeom>
+          </p:spPr>
+        </p:pic>
+        <p:pic>
+          <p:nvPicPr>
+            <p:cNvPr id="10" name="Object 9"/>
+            <p:cNvPicPr>
+              <a:picLocks noChangeAspect="1"/>
+            </p:cNvPicPr>
+            <p:nvPr/>
+          </p:nvPicPr>
+          <p:blipFill>
+            <a:blip r:embed="rId7" cstate="print"/>
+            <a:stretch>
+              <a:fillRect/>
+            </a:stretch>
+          </p:blipFill>
+          <p:spPr>
+            <a:xfrm>
+              <a:off x="620804" y="3178616"/>
+              <a:ext cx="3523774" cy="5559589"/>
             </a:xfrm>
             <a:prstGeom prst="rect">
               <a:avLst/>
@@ -3383,54 +3410,54 @@
         </p:nvGrpSpPr>
         <p:grpSpPr>
           <a:xfrm>
-            <a:off x="309323" y="3014941"/>
-            <a:ext cx="3798886" cy="5845806"/>
-            <a:chOff x="309323" y="3014941"/>
-            <a:chExt cx="3798886" cy="5845806"/>
+            <a:off x="4190578" y="7484636"/>
+            <a:ext cx="6350493" cy="2396983"/>
+            <a:chOff x="4190578" y="7484636"/>
+            <a:chExt cx="6350493" cy="2396983"/>
           </a:xfrm>
         </p:grpSpPr>
         <p:pic>
           <p:nvPicPr>
-            <p:cNvPr id="12" name="Object 11"/>
-            <p:cNvPicPr>
-              <a:picLocks noChangeAspect="1"/>
-            </p:cNvPicPr>
-            <p:nvPr/>
-          </p:nvPicPr>
-          <p:blipFill>
-            <a:blip r:embed="rId7" cstate="print"/>
+            <p:cNvPr id="13" name="Object 12"/>
+            <p:cNvPicPr>
+              <a:picLocks noChangeAspect="1"/>
+            </p:cNvPicPr>
+            <p:nvPr/>
+          </p:nvPicPr>
+          <p:blipFill>
+            <a:blip r:embed="rId8" cstate="print"/>
             <a:stretch>
               <a:fillRect/>
             </a:stretch>
           </p:blipFill>
           <p:spPr>
             <a:xfrm>
-              <a:off x="-1574204" y="116546"/>
-              <a:ext cx="7597773" cy="11691611"/>
-            </a:xfrm>
-            <a:prstGeom prst="rect">
-              <a:avLst/>
-            </a:prstGeom>
-          </p:spPr>
-        </p:pic>
-        <p:pic>
-          <p:nvPicPr>
-            <p:cNvPr id="13" name="Object 12"/>
-            <p:cNvPicPr>
-              <a:picLocks noChangeAspect="1"/>
-            </p:cNvPicPr>
-            <p:nvPr/>
-          </p:nvPicPr>
-          <p:blipFill>
-            <a:blip r:embed="rId8" cstate="print"/>
+              <a:off x="1025374" y="6301608"/>
+              <a:ext cx="12700986" cy="4793967"/>
+            </a:xfrm>
+            <a:prstGeom prst="rect">
+              <a:avLst/>
+            </a:prstGeom>
+          </p:spPr>
+        </p:pic>
+        <p:pic>
+          <p:nvPicPr>
+            <p:cNvPr id="14" name="Object 13"/>
+            <p:cNvPicPr>
+              <a:picLocks noChangeAspect="1"/>
+            </p:cNvPicPr>
+            <p:nvPr/>
+          </p:nvPicPr>
+          <p:blipFill>
+            <a:blip r:embed="rId9" cstate="print"/>
             <a:stretch>
               <a:fillRect/>
             </a:stretch>
           </p:blipFill>
           <p:spPr>
             <a:xfrm>
-              <a:off x="309323" y="3014941"/>
-              <a:ext cx="3798886" cy="5845806"/>
+              <a:off x="4190578" y="7484636"/>
+              <a:ext cx="6350493" cy="2396983"/>
             </a:xfrm>
             <a:prstGeom prst="rect">
               <a:avLst/>
@@ -3446,54 +3473,30 @@
         </p:nvGrpSpPr>
         <p:grpSpPr>
           <a:xfrm>
-            <a:off x="4190578" y="7484636"/>
-            <a:ext cx="6350493" cy="2396983"/>
-            <a:chOff x="4190578" y="7484636"/>
-            <a:chExt cx="6350493" cy="2396983"/>
+            <a:off x="778769" y="2011863"/>
+            <a:ext cx="16436584" cy="7718293"/>
+            <a:chOff x="778769" y="2011863"/>
+            <a:chExt cx="16436584" cy="7718293"/>
           </a:xfrm>
         </p:grpSpPr>
         <p:pic>
           <p:nvPicPr>
-            <p:cNvPr id="16" name="Object 15"/>
-            <p:cNvPicPr>
-              <a:picLocks noChangeAspect="1"/>
-            </p:cNvPicPr>
-            <p:nvPr/>
-          </p:nvPicPr>
-          <p:blipFill>
-            <a:blip r:embed="rId9" cstate="print"/>
+            <p:cNvPr id="17" name="Object 16"/>
+            <p:cNvPicPr>
+              <a:picLocks noChangeAspect="1"/>
+            </p:cNvPicPr>
+            <p:nvPr/>
+          </p:nvPicPr>
+          <p:blipFill>
+            <a:blip r:embed="rId10" cstate="print"/>
             <a:stretch>
               <a:fillRect/>
             </a:stretch>
           </p:blipFill>
           <p:spPr>
             <a:xfrm>
-              <a:off x="1025374" y="6301608"/>
-              <a:ext cx="12700986" cy="4793967"/>
-            </a:xfrm>
-            <a:prstGeom prst="rect">
-              <a:avLst/>
-            </a:prstGeom>
-          </p:spPr>
-        </p:pic>
-        <p:pic>
-          <p:nvPicPr>
-            <p:cNvPr id="17" name="Object 16"/>
-            <p:cNvPicPr>
-              <a:picLocks noChangeAspect="1"/>
-            </p:cNvPicPr>
-            <p:nvPr/>
-          </p:nvPicPr>
-          <p:blipFill>
-            <a:blip r:embed="rId10" cstate="print"/>
-            <a:stretch>
-              <a:fillRect/>
-            </a:stretch>
-          </p:blipFill>
-          <p:spPr>
-            <a:xfrm>
-              <a:off x="4190578" y="7484636"/>
-              <a:ext cx="6350493" cy="2396983"/>
+              <a:off x="778769" y="2011863"/>
+              <a:ext cx="16436584" cy="7718293"/>
             </a:xfrm>
             <a:prstGeom prst="rect">
               <a:avLst/>
@@ -3517,7 +3520,7 @@
         </p:blipFill>
         <p:spPr>
           <a:xfrm>
-            <a:off x="1091889" y="2391871"/>
+            <a:off x="1298429" y="2555546"/>
             <a:ext cx="1891677" cy="760210"/>
           </a:xfrm>
           <a:prstGeom prst="rect">
@@ -5044,8 +5047,8 @@
         </p:blipFill>
         <p:spPr>
           <a:xfrm>
-            <a:off x="12338480" y="2666823"/>
-            <a:ext cx="3546948" cy="1331207"/>
+            <a:off x="12338479" y="2666822"/>
+            <a:ext cx="3336416" cy="1331209"/>
           </a:xfrm>
           <a:prstGeom prst="rect">
             <a:avLst/>
@@ -5131,8 +5134,8 @@
         </p:blipFill>
         <p:spPr>
           <a:xfrm>
-            <a:off x="7023983" y="5682791"/>
-            <a:ext cx="4399972" cy="2941262"/>
+            <a:off x="7023981" y="5682790"/>
+            <a:ext cx="4214784" cy="1844939"/>
           </a:xfrm>
           <a:prstGeom prst="rect">
             <a:avLst/>
@@ -5783,7 +5786,7 @@
         <p:spPr>
           <a:xfrm>
             <a:off x="309345" y="121753"/>
-            <a:ext cx="5687978" cy="1321712"/>
+            <a:ext cx="2906338" cy="1321712"/>
           </a:xfrm>
           <a:prstGeom prst="rect">
             <a:avLst/>
@@ -5923,8 +5926,8 @@
         </p:blipFill>
         <p:spPr>
           <a:xfrm>
-            <a:off x="7284748" y="4009384"/>
-            <a:ext cx="3819661" cy="2037659"/>
+            <a:off x="7240433" y="4220073"/>
+            <a:ext cx="3383598" cy="1597446"/>
           </a:xfrm>
           <a:prstGeom prst="rect">
             <a:avLst/>
@@ -5947,8 +5950,8 @@
         </p:blipFill>
         <p:spPr>
           <a:xfrm>
-            <a:off x="3570218" y="4409321"/>
-            <a:ext cx="2594970" cy="1140314"/>
+            <a:off x="3635535" y="3794938"/>
+            <a:ext cx="3019845" cy="2232397"/>
           </a:xfrm>
           <a:prstGeom prst="rect">
             <a:avLst/>
@@ -5971,8 +5974,8 @@
         </p:blipFill>
         <p:spPr>
           <a:xfrm>
-            <a:off x="10931035" y="4295038"/>
-            <a:ext cx="3383598" cy="1597446"/>
+            <a:off x="10931053" y="4295043"/>
+            <a:ext cx="3264537" cy="1597443"/>
           </a:xfrm>
           <a:prstGeom prst="rect">
             <a:avLst/>
@@ -5995,8 +5998,8 @@
         </p:blipFill>
         <p:spPr>
           <a:xfrm>
-            <a:off x="3319774" y="7130346"/>
-            <a:ext cx="4258537" cy="2521082"/>
+            <a:off x="3026022" y="7130346"/>
+            <a:ext cx="4276888" cy="1793023"/>
           </a:xfrm>
           <a:prstGeom prst="rect">
             <a:avLst/>
@@ -6019,8 +6022,8 @@
         </p:blipFill>
         <p:spPr>
           <a:xfrm>
-            <a:off x="10959241" y="7130346"/>
-            <a:ext cx="3975285" cy="2521082"/>
+            <a:off x="10839492" y="6967388"/>
+            <a:ext cx="3268388" cy="1793023"/>
           </a:xfrm>
           <a:prstGeom prst="rect">
             <a:avLst/>
@@ -6164,37 +6167,52 @@
         <p:spPr>
           <a:xfrm>
             <a:off x="309345" y="121753"/>
-            <a:ext cx="2906337" cy="1321712"/>
-          </a:xfrm>
-          <a:prstGeom prst="rect">
-            <a:avLst/>
-          </a:prstGeom>
-        </p:spPr>
-      </p:pic>
-      <p:pic>
-        <p:nvPicPr>
-          <p:cNvPr id="8" name="Object 7"/>
-          <p:cNvPicPr>
-            <a:picLocks noChangeAspect="1"/>
-          </p:cNvPicPr>
-          <p:nvPr/>
-        </p:nvPicPr>
-        <p:blipFill>
-          <a:blip r:embed="rId6" cstate="print"/>
-          <a:stretch>
-            <a:fillRect/>
-          </a:stretch>
-        </p:blipFill>
-        <p:spPr>
-          <a:xfrm>
-            <a:off x="5398530" y="3087160"/>
-            <a:ext cx="9443330" cy="8576649"/>
-          </a:xfrm>
-          <a:prstGeom prst="rect">
-            <a:avLst/>
-          </a:prstGeom>
-        </p:spPr>
-      </p:pic>
+            <a:ext cx="1671830" cy="1321712"/>
+          </a:xfrm>
+          <a:prstGeom prst="rect">
+            <a:avLst/>
+          </a:prstGeom>
+        </p:spPr>
+      </p:pic>
+      <p:grpSp>
+        <p:nvGrpSpPr>
+          <p:cNvPr id="1002" name="그룹 1002"/>
+          <p:cNvGrpSpPr/>
+          <p:nvPr/>
+        </p:nvGrpSpPr>
+        <p:grpSpPr>
+          <a:xfrm>
+            <a:off x="5587491" y="2417863"/>
+            <a:ext cx="5747539" cy="6703672"/>
+            <a:chOff x="5587491" y="2417863"/>
+            <a:chExt cx="5747539" cy="6703672"/>
+          </a:xfrm>
+        </p:grpSpPr>
+        <p:pic>
+          <p:nvPicPr>
+            <p:cNvPr id="9" name="Object 8"/>
+            <p:cNvPicPr>
+              <a:picLocks noChangeAspect="1"/>
+            </p:cNvPicPr>
+            <p:nvPr/>
+          </p:nvPicPr>
+          <p:blipFill>
+            <a:blip r:embed="rId6" cstate="print"/>
+            <a:stretch>
+              <a:fillRect/>
+            </a:stretch>
+          </p:blipFill>
+          <p:spPr>
+            <a:xfrm>
+              <a:off x="5587491" y="2417863"/>
+              <a:ext cx="5747539" cy="6703672"/>
+            </a:xfrm>
+            <a:prstGeom prst="rect">
+              <a:avLst/>
+            </a:prstGeom>
+          </p:spPr>
+        </p:pic>
+      </p:grpSp>
     </p:spTree>
   </p:cSld>
   <p:clrMapOvr>
@@ -6236,6 +6254,174 @@
         </p:nvGrpSpPr>
         <p:grpSpPr>
           <a:xfrm>
+            <a:off x="-102960" y="1126100"/>
+            <a:ext cx="18519690" cy="493714"/>
+            <a:chOff x="-102960" y="1126100"/>
+            <a:chExt cx="18519690" cy="493714"/>
+          </a:xfrm>
+        </p:grpSpPr>
+        <p:pic>
+          <p:nvPicPr>
+            <p:cNvPr id="3" name="Object 2"/>
+            <p:cNvPicPr>
+              <a:picLocks noChangeAspect="1"/>
+            </p:cNvPicPr>
+            <p:nvPr/>
+          </p:nvPicPr>
+          <p:blipFill>
+            <a:blip r:embed="rId2" cstate="print"/>
+            <a:stretch>
+              <a:fillRect/>
+            </a:stretch>
+          </p:blipFill>
+          <p:spPr>
+            <a:xfrm>
+              <a:off x="-102960" y="1126100"/>
+              <a:ext cx="18519690" cy="493714"/>
+            </a:xfrm>
+            <a:prstGeom prst="rect">
+              <a:avLst/>
+            </a:prstGeom>
+          </p:spPr>
+        </p:pic>
+      </p:grpSp>
+      <p:pic>
+        <p:nvPicPr>
+          <p:cNvPr id="5" name="Object 4"/>
+          <p:cNvPicPr>
+            <a:picLocks noChangeAspect="1"/>
+          </p:cNvPicPr>
+          <p:nvPr/>
+        </p:nvPicPr>
+        <p:blipFill>
+          <a:blip r:embed="rId3" cstate="print"/>
+          <a:stretch>
+            <a:fillRect/>
+          </a:stretch>
+        </p:blipFill>
+        <p:spPr>
+          <a:xfrm>
+            <a:off x="14228096" y="115013"/>
+            <a:ext cx="4074138" cy="760210"/>
+          </a:xfrm>
+          <a:prstGeom prst="rect">
+            <a:avLst/>
+          </a:prstGeom>
+        </p:spPr>
+      </p:pic>
+      <p:pic>
+        <p:nvPicPr>
+          <p:cNvPr id="6" name="Object 5"/>
+          <p:cNvPicPr>
+            <a:picLocks noChangeAspect="1"/>
+          </p:cNvPicPr>
+          <p:nvPr/>
+        </p:nvPicPr>
+        <p:blipFill>
+          <a:blip r:embed="rId4" cstate="print"/>
+          <a:stretch>
+            <a:fillRect/>
+          </a:stretch>
+        </p:blipFill>
+        <p:spPr>
+          <a:xfrm>
+            <a:off x="17443810" y="9847334"/>
+            <a:ext cx="883344" cy="570158"/>
+          </a:xfrm>
+          <a:prstGeom prst="rect">
+            <a:avLst/>
+          </a:prstGeom>
+        </p:spPr>
+      </p:pic>
+      <p:pic>
+        <p:nvPicPr>
+          <p:cNvPr id="7" name="Object 6"/>
+          <p:cNvPicPr>
+            <a:picLocks noChangeAspect="1"/>
+          </p:cNvPicPr>
+          <p:nvPr/>
+        </p:nvPicPr>
+        <p:blipFill>
+          <a:blip r:embed="rId5" cstate="print"/>
+          <a:stretch>
+            <a:fillRect/>
+          </a:stretch>
+        </p:blipFill>
+        <p:spPr>
+          <a:xfrm>
+            <a:off x="309345" y="121753"/>
+            <a:ext cx="2906337" cy="1321712"/>
+          </a:xfrm>
+          <a:prstGeom prst="rect">
+            <a:avLst/>
+          </a:prstGeom>
+        </p:spPr>
+      </p:pic>
+      <p:pic>
+        <p:nvPicPr>
+          <p:cNvPr id="8" name="Object 7"/>
+          <p:cNvPicPr>
+            <a:picLocks noChangeAspect="1"/>
+          </p:cNvPicPr>
+          <p:nvPr/>
+        </p:nvPicPr>
+        <p:blipFill>
+          <a:blip r:embed="rId6" cstate="print"/>
+          <a:stretch>
+            <a:fillRect/>
+          </a:stretch>
+        </p:blipFill>
+        <p:spPr>
+          <a:xfrm>
+            <a:off x="5398530" y="3087160"/>
+            <a:ext cx="9443330" cy="8576649"/>
+          </a:xfrm>
+          <a:prstGeom prst="rect">
+            <a:avLst/>
+          </a:prstGeom>
+        </p:spPr>
+      </p:pic>
+    </p:spTree>
+  </p:cSld>
+  <p:clrMapOvr>
+    <a:masterClrMapping/>
+  </p:clrMapOvr>
+</p:sld>
+</file>
+
+<file path=ppt/slides/slide18.xml><?xml version="1.0" encoding="utf-8"?>
+<p:sld xmlns:a="http://schemas.openxmlformats.org/drawingml/2006/main" xmlns:r="http://schemas.openxmlformats.org/officeDocument/2006/relationships" xmlns:p="http://schemas.openxmlformats.org/presentationml/2006/main">
+  <p:cSld name="Slide 18">
+    <p:bg>
+      <p:bgPr>
+        <a:solidFill>
+          <a:srgbClr val="F5F6F6"/>
+        </a:solidFill>
+        <a:effectLst/>
+      </p:bgPr>
+    </p:bg>
+    <p:spTree>
+      <p:nvGrpSpPr>
+        <p:cNvPr id="1" name=""/>
+        <p:cNvGrpSpPr/>
+        <p:nvPr/>
+      </p:nvGrpSpPr>
+      <p:grpSpPr>
+        <a:xfrm>
+          <a:off x="0" y="0"/>
+          <a:ext cx="0" cy="0"/>
+          <a:chOff x="0" y="0"/>
+          <a:chExt cx="0" cy="0"/>
+        </a:xfrm>
+      </p:grpSpPr>
+      <p:grpSp>
+        <p:nvGrpSpPr>
+          <p:cNvPr id="1001" name="그룹 1001"/>
+          <p:cNvGrpSpPr/>
+          <p:nvPr/>
+        </p:nvGrpSpPr>
+        <p:grpSpPr>
+          <a:xfrm>
             <a:off x="3874270" y="-1526931"/>
             <a:ext cx="15488986" cy="13320528"/>
             <a:chOff x="3874270" y="-1526931"/>
@@ -6354,6 +6540,339 @@
           </p:spPr>
         </p:pic>
       </p:grpSp>
+    </p:spTree>
+  </p:cSld>
+  <p:clrMapOvr>
+    <a:masterClrMapping/>
+  </p:clrMapOvr>
+</p:sld>
+</file>
+
+<file path=ppt/slides/slide19.xml><?xml version="1.0" encoding="utf-8"?>
+<p:sld xmlns:a="http://schemas.openxmlformats.org/drawingml/2006/main" xmlns:r="http://schemas.openxmlformats.org/officeDocument/2006/relationships" xmlns:p="http://schemas.openxmlformats.org/presentationml/2006/main">
+  <p:cSld name="Slide 19">
+    <p:bg>
+      <p:bgPr>
+        <a:solidFill>
+          <a:srgbClr val="F5F6F6"/>
+        </a:solidFill>
+        <a:effectLst/>
+      </p:bgPr>
+    </p:bg>
+    <p:spTree>
+      <p:nvGrpSpPr>
+        <p:cNvPr id="1" name=""/>
+        <p:cNvGrpSpPr/>
+        <p:nvPr/>
+      </p:nvGrpSpPr>
+      <p:grpSpPr>
+        <a:xfrm>
+          <a:off x="0" y="0"/>
+          <a:ext cx="0" cy="0"/>
+          <a:chOff x="0" y="0"/>
+          <a:chExt cx="0" cy="0"/>
+        </a:xfrm>
+      </p:grpSpPr>
+      <p:grpSp>
+        <p:nvGrpSpPr>
+          <p:cNvPr id="1001" name="그룹 1001"/>
+          <p:cNvGrpSpPr/>
+          <p:nvPr/>
+        </p:nvGrpSpPr>
+        <p:grpSpPr>
+          <a:xfrm>
+            <a:off x="-102960" y="1126100"/>
+            <a:ext cx="18519690" cy="493714"/>
+            <a:chOff x="-102960" y="1126100"/>
+            <a:chExt cx="18519690" cy="493714"/>
+          </a:xfrm>
+        </p:grpSpPr>
+        <p:pic>
+          <p:nvPicPr>
+            <p:cNvPr id="3" name="Object 2"/>
+            <p:cNvPicPr>
+              <a:picLocks noChangeAspect="1"/>
+            </p:cNvPicPr>
+            <p:nvPr/>
+          </p:nvPicPr>
+          <p:blipFill>
+            <a:blip r:embed="rId2" cstate="print"/>
+            <a:stretch>
+              <a:fillRect/>
+            </a:stretch>
+          </p:blipFill>
+          <p:spPr>
+            <a:xfrm>
+              <a:off x="-102960" y="1126100"/>
+              <a:ext cx="18519690" cy="493714"/>
+            </a:xfrm>
+            <a:prstGeom prst="rect">
+              <a:avLst/>
+            </a:prstGeom>
+          </p:spPr>
+        </p:pic>
+      </p:grpSp>
+      <p:pic>
+        <p:nvPicPr>
+          <p:cNvPr id="5" name="Object 4"/>
+          <p:cNvPicPr>
+            <a:picLocks noChangeAspect="1"/>
+          </p:cNvPicPr>
+          <p:nvPr/>
+        </p:nvPicPr>
+        <p:blipFill>
+          <a:blip r:embed="rId3" cstate="print"/>
+          <a:stretch>
+            <a:fillRect/>
+          </a:stretch>
+        </p:blipFill>
+        <p:spPr>
+          <a:xfrm>
+            <a:off x="309345" y="121753"/>
+            <a:ext cx="2906338" cy="1321712"/>
+          </a:xfrm>
+          <a:prstGeom prst="rect">
+            <a:avLst/>
+          </a:prstGeom>
+        </p:spPr>
+      </p:pic>
+      <p:grpSp>
+        <p:nvGrpSpPr>
+          <p:cNvPr id="1002" name="그룹 1002"/>
+          <p:cNvGrpSpPr/>
+          <p:nvPr/>
+        </p:nvGrpSpPr>
+        <p:grpSpPr>
+          <a:xfrm>
+            <a:off x="6380020" y="1837073"/>
+            <a:ext cx="4962140" cy="4947548"/>
+            <a:chOff x="6380020" y="1837073"/>
+            <a:chExt cx="4962140" cy="4947548"/>
+          </a:xfrm>
+        </p:grpSpPr>
+        <p:pic>
+          <p:nvPicPr>
+            <p:cNvPr id="7" name="Object 6"/>
+            <p:cNvPicPr>
+              <a:picLocks noChangeAspect="1"/>
+            </p:cNvPicPr>
+            <p:nvPr/>
+          </p:nvPicPr>
+          <p:blipFill>
+            <a:blip r:embed="rId4" cstate="print"/>
+            <a:stretch>
+              <a:fillRect/>
+            </a:stretch>
+          </p:blipFill>
+          <p:spPr>
+            <a:xfrm>
+              <a:off x="6380020" y="1837073"/>
+              <a:ext cx="4962140" cy="4947548"/>
+            </a:xfrm>
+            <a:prstGeom prst="rect">
+              <a:avLst/>
+            </a:prstGeom>
+          </p:spPr>
+        </p:pic>
+      </p:grpSp>
+      <p:grpSp>
+        <p:nvGrpSpPr>
+          <p:cNvPr id="1003" name="그룹 1003"/>
+          <p:cNvGrpSpPr/>
+          <p:nvPr/>
+        </p:nvGrpSpPr>
+        <p:grpSpPr>
+          <a:xfrm>
+            <a:off x="1742100" y="1905315"/>
+            <a:ext cx="5296035" cy="5101747"/>
+            <a:chOff x="1742100" y="1905315"/>
+            <a:chExt cx="5296035" cy="5101747"/>
+          </a:xfrm>
+        </p:grpSpPr>
+        <p:pic>
+          <p:nvPicPr>
+            <p:cNvPr id="10" name="Object 9"/>
+            <p:cNvPicPr>
+              <a:picLocks noChangeAspect="1"/>
+            </p:cNvPicPr>
+            <p:nvPr/>
+          </p:nvPicPr>
+          <p:blipFill>
+            <a:blip r:embed="rId5" cstate="print"/>
+            <a:stretch>
+              <a:fillRect/>
+            </a:stretch>
+          </p:blipFill>
+          <p:spPr>
+            <a:xfrm rot="300000">
+              <a:off x="1742100" y="1905315"/>
+              <a:ext cx="5296035" cy="5101747"/>
+            </a:xfrm>
+            <a:prstGeom prst="rect">
+              <a:avLst/>
+            </a:prstGeom>
+          </p:spPr>
+        </p:pic>
+      </p:grpSp>
+      <p:grpSp>
+        <p:nvGrpSpPr>
+          <p:cNvPr id="1004" name="그룹 1004"/>
+          <p:cNvGrpSpPr/>
+          <p:nvPr/>
+        </p:nvGrpSpPr>
+        <p:grpSpPr>
+          <a:xfrm>
+            <a:off x="10600910" y="1851758"/>
+            <a:ext cx="5276715" cy="4921848"/>
+            <a:chOff x="10600910" y="1851758"/>
+            <a:chExt cx="5276715" cy="4921848"/>
+          </a:xfrm>
+        </p:grpSpPr>
+        <p:pic>
+          <p:nvPicPr>
+            <p:cNvPr id="13" name="Object 12"/>
+            <p:cNvPicPr>
+              <a:picLocks noChangeAspect="1"/>
+            </p:cNvPicPr>
+            <p:nvPr/>
+          </p:nvPicPr>
+          <p:blipFill>
+            <a:blip r:embed="rId6" cstate="print"/>
+            <a:stretch>
+              <a:fillRect/>
+            </a:stretch>
+          </p:blipFill>
+          <p:spPr>
+            <a:xfrm rot="-10140000">
+              <a:off x="10600910" y="1851758"/>
+              <a:ext cx="5276715" cy="4921848"/>
+            </a:xfrm>
+            <a:prstGeom prst="rect">
+              <a:avLst/>
+            </a:prstGeom>
+          </p:spPr>
+        </p:pic>
+      </p:grpSp>
+      <p:pic>
+        <p:nvPicPr>
+          <p:cNvPr id="15" name="Object 14"/>
+          <p:cNvPicPr>
+            <a:picLocks noChangeAspect="1"/>
+          </p:cNvPicPr>
+          <p:nvPr/>
+        </p:nvPicPr>
+        <p:blipFill>
+          <a:blip r:embed="rId7" cstate="print"/>
+          <a:stretch>
+            <a:fillRect/>
+          </a:stretch>
+        </p:blipFill>
+        <p:spPr>
+          <a:xfrm>
+            <a:off x="6570918" y="3697569"/>
+            <a:ext cx="4021190" cy="1967697"/>
+          </a:xfrm>
+          <a:prstGeom prst="rect">
+            <a:avLst/>
+          </a:prstGeom>
+        </p:spPr>
+      </p:pic>
+      <p:pic>
+        <p:nvPicPr>
+          <p:cNvPr id="16" name="Object 15"/>
+          <p:cNvPicPr>
+            <a:picLocks noChangeAspect="1"/>
+          </p:cNvPicPr>
+          <p:nvPr/>
+        </p:nvPicPr>
+        <p:blipFill>
+          <a:blip r:embed="rId8" cstate="print"/>
+          <a:stretch>
+            <a:fillRect/>
+          </a:stretch>
+        </p:blipFill>
+        <p:spPr>
+          <a:xfrm>
+            <a:off x="11116957" y="3789919"/>
+            <a:ext cx="4021193" cy="1967699"/>
+          </a:xfrm>
+          <a:prstGeom prst="rect">
+            <a:avLst/>
+          </a:prstGeom>
+        </p:spPr>
+      </p:pic>
+      <p:pic>
+        <p:nvPicPr>
+          <p:cNvPr id="17" name="Object 16"/>
+          <p:cNvPicPr>
+            <a:picLocks noChangeAspect="1"/>
+          </p:cNvPicPr>
+          <p:nvPr/>
+        </p:nvPicPr>
+        <p:blipFill>
+          <a:blip r:embed="rId9" cstate="print"/>
+          <a:stretch>
+            <a:fillRect/>
+          </a:stretch>
+        </p:blipFill>
+        <p:spPr>
+          <a:xfrm>
+            <a:off x="1867138" y="3697566"/>
+            <a:ext cx="4021193" cy="1967699"/>
+          </a:xfrm>
+          <a:prstGeom prst="rect">
+            <a:avLst/>
+          </a:prstGeom>
+        </p:spPr>
+      </p:pic>
+      <p:pic>
+        <p:nvPicPr>
+          <p:cNvPr id="18" name="Object 17"/>
+          <p:cNvPicPr>
+            <a:picLocks noChangeAspect="1"/>
+          </p:cNvPicPr>
+          <p:nvPr/>
+        </p:nvPicPr>
+        <p:blipFill>
+          <a:blip r:embed="rId10" cstate="print"/>
+          <a:stretch>
+            <a:fillRect/>
+          </a:stretch>
+        </p:blipFill>
+        <p:spPr>
+          <a:xfrm>
+            <a:off x="1531778" y="7497766"/>
+            <a:ext cx="8441691" cy="2941260"/>
+          </a:xfrm>
+          <a:prstGeom prst="rect">
+            <a:avLst/>
+          </a:prstGeom>
+        </p:spPr>
+      </p:pic>
+      <p:pic>
+        <p:nvPicPr>
+          <p:cNvPr id="19" name="Object 18"/>
+          <p:cNvPicPr>
+            <a:picLocks noChangeAspect="1"/>
+          </p:cNvPicPr>
+          <p:nvPr/>
+        </p:nvPicPr>
+        <p:blipFill>
+          <a:blip r:embed="rId11" cstate="print"/>
+          <a:stretch>
+            <a:fillRect/>
+          </a:stretch>
+        </p:blipFill>
+        <p:spPr>
+          <a:xfrm>
+            <a:off x="10804411" y="7497766"/>
+            <a:ext cx="6708302" cy="2941260"/>
+          </a:xfrm>
+          <a:prstGeom prst="rect">
+            <a:avLst/>
+          </a:prstGeom>
+        </p:spPr>
+      </p:pic>
     </p:spTree>
   </p:cSld>
   <p:clrMapOvr>
@@ -6467,7 +6986,7 @@
         <p:spPr>
           <a:xfrm>
             <a:off x="1034011" y="1630944"/>
-            <a:ext cx="5171284" cy="9454976"/>
+            <a:ext cx="5171288" cy="9454983"/>
           </a:xfrm>
           <a:prstGeom prst="rect">
             <a:avLst/>
@@ -6513,6 +7032,165 @@
           </p:spPr>
         </p:pic>
       </p:grpSp>
+    </p:spTree>
+  </p:cSld>
+  <p:clrMapOvr>
+    <a:masterClrMapping/>
+  </p:clrMapOvr>
+</p:sld>
+</file>
+
+<file path=ppt/slides/slide20.xml><?xml version="1.0" encoding="utf-8"?>
+<p:sld xmlns:a="http://schemas.openxmlformats.org/drawingml/2006/main" xmlns:r="http://schemas.openxmlformats.org/officeDocument/2006/relationships" xmlns:p="http://schemas.openxmlformats.org/presentationml/2006/main">
+  <p:cSld name="Slide 20">
+    <p:bg>
+      <p:bgPr>
+        <a:solidFill>
+          <a:srgbClr val="F5F6F6"/>
+        </a:solidFill>
+        <a:effectLst/>
+      </p:bgPr>
+    </p:bg>
+    <p:spTree>
+      <p:nvGrpSpPr>
+        <p:cNvPr id="1" name=""/>
+        <p:cNvGrpSpPr/>
+        <p:nvPr/>
+      </p:nvGrpSpPr>
+      <p:grpSpPr>
+        <a:xfrm>
+          <a:off x="0" y="0"/>
+          <a:ext cx="0" cy="0"/>
+          <a:chOff x="0" y="0"/>
+          <a:chExt cx="0" cy="0"/>
+        </a:xfrm>
+      </p:grpSpPr>
+      <p:grpSp>
+        <p:nvGrpSpPr>
+          <p:cNvPr id="1001" name="그룹 1001"/>
+          <p:cNvGrpSpPr/>
+          <p:nvPr/>
+        </p:nvGrpSpPr>
+        <p:grpSpPr>
+          <a:xfrm>
+            <a:off x="-102960" y="1126100"/>
+            <a:ext cx="18519690" cy="493714"/>
+            <a:chOff x="-102960" y="1126100"/>
+            <a:chExt cx="18519690" cy="493714"/>
+          </a:xfrm>
+        </p:grpSpPr>
+        <p:pic>
+          <p:nvPicPr>
+            <p:cNvPr id="3" name="Object 2"/>
+            <p:cNvPicPr>
+              <a:picLocks noChangeAspect="1"/>
+            </p:cNvPicPr>
+            <p:nvPr/>
+          </p:nvPicPr>
+          <p:blipFill>
+            <a:blip r:embed="rId2" cstate="print"/>
+            <a:stretch>
+              <a:fillRect/>
+            </a:stretch>
+          </p:blipFill>
+          <p:spPr>
+            <a:xfrm>
+              <a:off x="-102960" y="1126100"/>
+              <a:ext cx="18519690" cy="493714"/>
+            </a:xfrm>
+            <a:prstGeom prst="rect">
+              <a:avLst/>
+            </a:prstGeom>
+          </p:spPr>
+        </p:pic>
+      </p:grpSp>
+      <p:pic>
+        <p:nvPicPr>
+          <p:cNvPr id="5" name="Object 4"/>
+          <p:cNvPicPr>
+            <a:picLocks noChangeAspect="1"/>
+          </p:cNvPicPr>
+          <p:nvPr/>
+        </p:nvPicPr>
+        <p:blipFill>
+          <a:blip r:embed="rId3" cstate="print"/>
+          <a:stretch>
+            <a:fillRect/>
+          </a:stretch>
+        </p:blipFill>
+        <p:spPr>
+          <a:xfrm>
+            <a:off x="309345" y="121753"/>
+            <a:ext cx="2906338" cy="1321712"/>
+          </a:xfrm>
+          <a:prstGeom prst="rect">
+            <a:avLst/>
+          </a:prstGeom>
+        </p:spPr>
+      </p:pic>
+      <p:grpSp>
+        <p:nvGrpSpPr>
+          <p:cNvPr id="1002" name="그룹 1002"/>
+          <p:cNvGrpSpPr/>
+          <p:nvPr/>
+        </p:nvGrpSpPr>
+        <p:grpSpPr>
+          <a:xfrm>
+            <a:off x="1863946" y="2853392"/>
+            <a:ext cx="7649568" cy="6900801"/>
+            <a:chOff x="1863946" y="2853392"/>
+            <a:chExt cx="7649568" cy="6900801"/>
+          </a:xfrm>
+        </p:grpSpPr>
+        <p:pic>
+          <p:nvPicPr>
+            <p:cNvPr id="7" name="Object 6"/>
+            <p:cNvPicPr>
+              <a:picLocks noChangeAspect="1"/>
+            </p:cNvPicPr>
+            <p:nvPr/>
+          </p:nvPicPr>
+          <p:blipFill>
+            <a:blip r:embed="rId4" cstate="print"/>
+            <a:stretch>
+              <a:fillRect/>
+            </a:stretch>
+          </p:blipFill>
+          <p:spPr>
+            <a:xfrm>
+              <a:off x="1863946" y="2853392"/>
+              <a:ext cx="7649568" cy="6900801"/>
+            </a:xfrm>
+            <a:prstGeom prst="rect">
+              <a:avLst/>
+            </a:prstGeom>
+          </p:spPr>
+        </p:pic>
+      </p:grpSp>
+      <p:pic>
+        <p:nvPicPr>
+          <p:cNvPr id="9" name="Object 8"/>
+          <p:cNvPicPr>
+            <a:picLocks noChangeAspect="1"/>
+          </p:cNvPicPr>
+          <p:nvPr/>
+        </p:nvPicPr>
+        <p:blipFill>
+          <a:blip r:embed="rId5" cstate="print"/>
+          <a:stretch>
+            <a:fillRect/>
+          </a:stretch>
+        </p:blipFill>
+        <p:spPr>
+          <a:xfrm>
+            <a:off x="910788" y="1920685"/>
+            <a:ext cx="3888426" cy="1597446"/>
+          </a:xfrm>
+          <a:prstGeom prst="rect">
+            <a:avLst/>
+          </a:prstGeom>
+        </p:spPr>
+      </p:pic>
     </p:spTree>
   </p:cSld>
   <p:clrMapOvr>
@@ -6649,8 +7327,8 @@
         </p:blipFill>
         <p:spPr>
           <a:xfrm>
-            <a:off x="17443810" y="9847334"/>
-            <a:ext cx="883344" cy="570157"/>
+            <a:off x="17440001" y="9843525"/>
+            <a:ext cx="898581" cy="633508"/>
           </a:xfrm>
           <a:prstGeom prst="rect">
             <a:avLst/>
@@ -8062,8 +8740,8 @@
         </p:blipFill>
         <p:spPr>
           <a:xfrm>
-            <a:off x="17443810" y="9847334"/>
-            <a:ext cx="883344" cy="570157"/>
+            <a:off x="17440001" y="9843525"/>
+            <a:ext cx="898581" cy="633508"/>
           </a:xfrm>
           <a:prstGeom prst="rect">
             <a:avLst/>
@@ -8654,10 +9332,10 @@
         </p:nvGrpSpPr>
         <p:grpSpPr>
           <a:xfrm>
-            <a:off x="1257543" y="3258418"/>
-            <a:ext cx="6529503" cy="6292736"/>
-            <a:chOff x="1257543" y="3258418"/>
-            <a:chExt cx="6529503" cy="6292736"/>
+            <a:off x="-102960" y="1126100"/>
+            <a:ext cx="18519690" cy="493714"/>
+            <a:chOff x="-102960" y="1126100"/>
+            <a:chExt cx="18519690" cy="493714"/>
           </a:xfrm>
         </p:grpSpPr>
         <p:pic>
@@ -8675,9 +9353,9 @@
             </a:stretch>
           </p:blipFill>
           <p:spPr>
-            <a:xfrm rot="-10800000">
-              <a:off x="1257543" y="3258418"/>
-              <a:ext cx="6529503" cy="6292736"/>
+            <a:xfrm>
+              <a:off x="-102960" y="1126100"/>
+              <a:ext cx="18519690" cy="493714"/>
             </a:xfrm>
             <a:prstGeom prst="rect">
               <a:avLst/>
@@ -8685,6 +9363,78 @@
           </p:spPr>
         </p:pic>
       </p:grpSp>
+      <p:pic>
+        <p:nvPicPr>
+          <p:cNvPr id="5" name="Object 4"/>
+          <p:cNvPicPr>
+            <a:picLocks noChangeAspect="1"/>
+          </p:cNvPicPr>
+          <p:nvPr/>
+        </p:nvPicPr>
+        <p:blipFill>
+          <a:blip r:embed="rId3" cstate="print"/>
+          <a:stretch>
+            <a:fillRect/>
+          </a:stretch>
+        </p:blipFill>
+        <p:spPr>
+          <a:xfrm>
+            <a:off x="14173683" y="115013"/>
+            <a:ext cx="4060411" cy="760210"/>
+          </a:xfrm>
+          <a:prstGeom prst="rect">
+            <a:avLst/>
+          </a:prstGeom>
+        </p:spPr>
+      </p:pic>
+      <p:pic>
+        <p:nvPicPr>
+          <p:cNvPr id="6" name="Object 5"/>
+          <p:cNvPicPr>
+            <a:picLocks noChangeAspect="1"/>
+          </p:cNvPicPr>
+          <p:nvPr/>
+        </p:nvPicPr>
+        <p:blipFill>
+          <a:blip r:embed="rId4" cstate="print"/>
+          <a:stretch>
+            <a:fillRect/>
+          </a:stretch>
+        </p:blipFill>
+        <p:spPr>
+          <a:xfrm>
+            <a:off x="17440001" y="9843525"/>
+            <a:ext cx="898581" cy="633508"/>
+          </a:xfrm>
+          <a:prstGeom prst="rect">
+            <a:avLst/>
+          </a:prstGeom>
+        </p:spPr>
+      </p:pic>
+      <p:pic>
+        <p:nvPicPr>
+          <p:cNvPr id="7" name="Object 6"/>
+          <p:cNvPicPr>
+            <a:picLocks noChangeAspect="1"/>
+          </p:cNvPicPr>
+          <p:nvPr/>
+        </p:nvPicPr>
+        <p:blipFill>
+          <a:blip r:embed="rId5" cstate="print"/>
+          <a:stretch>
+            <a:fillRect/>
+          </a:stretch>
+        </p:blipFill>
+        <p:spPr>
+          <a:xfrm>
+            <a:off x="309345" y="121753"/>
+            <a:ext cx="7852371" cy="1321712"/>
+          </a:xfrm>
+          <a:prstGeom prst="rect">
+            <a:avLst/>
+          </a:prstGeom>
+        </p:spPr>
+      </p:pic>
       <p:grpSp>
         <p:nvGrpSpPr>
           <p:cNvPr id="1002" name="그룹 1002"/>
@@ -8693,30 +9443,30 @@
         </p:nvGrpSpPr>
         <p:grpSpPr>
           <a:xfrm>
-            <a:off x="9609645" y="3258418"/>
-            <a:ext cx="6582589" cy="6292736"/>
-            <a:chOff x="9609645" y="3258418"/>
-            <a:chExt cx="6582589" cy="6292736"/>
+            <a:off x="3877260" y="2427725"/>
+            <a:ext cx="645220" cy="632141"/>
+            <a:chOff x="3877260" y="2427725"/>
+            <a:chExt cx="645220" cy="632141"/>
           </a:xfrm>
         </p:grpSpPr>
         <p:pic>
           <p:nvPicPr>
-            <p:cNvPr id="6" name="Object 5"/>
-            <p:cNvPicPr>
-              <a:picLocks noChangeAspect="1"/>
-            </p:cNvPicPr>
-            <p:nvPr/>
-          </p:nvPicPr>
-          <p:blipFill>
-            <a:blip r:embed="rId3" cstate="print"/>
-            <a:stretch>
-              <a:fillRect/>
-            </a:stretch>
-          </p:blipFill>
-          <p:spPr>
-            <a:xfrm rot="-10800000">
-              <a:off x="9609645" y="3258418"/>
-              <a:ext cx="6582589" cy="6292736"/>
+            <p:cNvPr id="9" name="Object 8"/>
+            <p:cNvPicPr>
+              <a:picLocks noChangeAspect="1"/>
+            </p:cNvPicPr>
+            <p:nvPr/>
+          </p:nvPicPr>
+          <p:blipFill>
+            <a:blip r:embed="rId6" cstate="print"/>
+            <a:stretch>
+              <a:fillRect/>
+            </a:stretch>
+          </p:blipFill>
+          <p:spPr>
+            <a:xfrm>
+              <a:off x="3877260" y="2427725"/>
+              <a:ext cx="645220" cy="632141"/>
             </a:xfrm>
             <a:prstGeom prst="rect">
               <a:avLst/>
@@ -8724,6 +9474,54 @@
           </p:spPr>
         </p:pic>
       </p:grpSp>
+      <p:pic>
+        <p:nvPicPr>
+          <p:cNvPr id="11" name="Object 10"/>
+          <p:cNvPicPr>
+            <a:picLocks noChangeAspect="1"/>
+          </p:cNvPicPr>
+          <p:nvPr/>
+        </p:nvPicPr>
+        <p:blipFill>
+          <a:blip r:embed="rId7" cstate="print"/>
+          <a:stretch>
+            <a:fillRect/>
+          </a:stretch>
+        </p:blipFill>
+        <p:spPr>
+          <a:xfrm>
+            <a:off x="4373586" y="2455131"/>
+            <a:ext cx="2883455" cy="1300775"/>
+          </a:xfrm>
+          <a:prstGeom prst="rect">
+            <a:avLst/>
+          </a:prstGeom>
+        </p:spPr>
+      </p:pic>
+      <p:pic>
+        <p:nvPicPr>
+          <p:cNvPr id="12" name="Object 11"/>
+          <p:cNvPicPr>
+            <a:picLocks noChangeAspect="1"/>
+          </p:cNvPicPr>
+          <p:nvPr/>
+        </p:nvPicPr>
+        <p:blipFill>
+          <a:blip r:embed="rId8" cstate="print"/>
+          <a:stretch>
+            <a:fillRect/>
+          </a:stretch>
+        </p:blipFill>
+        <p:spPr>
+          <a:xfrm>
+            <a:off x="4424830" y="2353278"/>
+            <a:ext cx="2624654" cy="650389"/>
+          </a:xfrm>
+          <a:prstGeom prst="rect">
+            <a:avLst/>
+          </a:prstGeom>
+        </p:spPr>
+      </p:pic>
       <p:grpSp>
         <p:nvGrpSpPr>
           <p:cNvPr id="1003" name="그룹 1003"/>
@@ -8732,30 +9530,30 @@
         </p:nvGrpSpPr>
         <p:grpSpPr>
           <a:xfrm>
-            <a:off x="-102960" y="1126100"/>
-            <a:ext cx="18519690" cy="493714"/>
-            <a:chOff x="-102960" y="1126100"/>
-            <a:chExt cx="18519690" cy="493714"/>
+            <a:off x="14236014" y="2503916"/>
+            <a:ext cx="574468" cy="562823"/>
+            <a:chOff x="14236014" y="2503916"/>
+            <a:chExt cx="574468" cy="562823"/>
           </a:xfrm>
         </p:grpSpPr>
         <p:pic>
           <p:nvPicPr>
-            <p:cNvPr id="9" name="Object 8"/>
-            <p:cNvPicPr>
-              <a:picLocks noChangeAspect="1"/>
-            </p:cNvPicPr>
-            <p:nvPr/>
-          </p:nvPicPr>
-          <p:blipFill>
-            <a:blip r:embed="rId4" cstate="print"/>
+            <p:cNvPr id="14" name="Object 13"/>
+            <p:cNvPicPr>
+              <a:picLocks noChangeAspect="1"/>
+            </p:cNvPicPr>
+            <p:nvPr/>
+          </p:nvPicPr>
+          <p:blipFill>
+            <a:blip r:embed="rId9" cstate="print"/>
             <a:stretch>
               <a:fillRect/>
             </a:stretch>
           </p:blipFill>
           <p:spPr>
             <a:xfrm>
-              <a:off x="-102960" y="1126100"/>
-              <a:ext cx="18519690" cy="493714"/>
+              <a:off x="14236014" y="2503916"/>
+              <a:ext cx="574468" cy="562823"/>
             </a:xfrm>
             <a:prstGeom prst="rect">
               <a:avLst/>
@@ -8765,70 +9563,22 @@
       </p:grpSp>
       <p:pic>
         <p:nvPicPr>
-          <p:cNvPr id="11" name="Object 10"/>
-          <p:cNvPicPr>
-            <a:picLocks noChangeAspect="1"/>
-          </p:cNvPicPr>
-          <p:nvPr/>
-        </p:nvPicPr>
-        <p:blipFill>
-          <a:blip r:embed="rId5" cstate="print"/>
-          <a:stretch>
-            <a:fillRect/>
-          </a:stretch>
-        </p:blipFill>
-        <p:spPr>
-          <a:xfrm>
-            <a:off x="14173683" y="115013"/>
-            <a:ext cx="4060411" cy="760210"/>
-          </a:xfrm>
-          <a:prstGeom prst="rect">
-            <a:avLst/>
-          </a:prstGeom>
-        </p:spPr>
-      </p:pic>
-      <p:pic>
-        <p:nvPicPr>
-          <p:cNvPr id="12" name="Object 11"/>
-          <p:cNvPicPr>
-            <a:picLocks noChangeAspect="1"/>
-          </p:cNvPicPr>
-          <p:nvPr/>
-        </p:nvPicPr>
-        <p:blipFill>
-          <a:blip r:embed="rId6" cstate="print"/>
-          <a:stretch>
-            <a:fillRect/>
-          </a:stretch>
-        </p:blipFill>
-        <p:spPr>
-          <a:xfrm>
-            <a:off x="17443810" y="9847334"/>
-            <a:ext cx="883344" cy="570157"/>
-          </a:xfrm>
-          <a:prstGeom prst="rect">
-            <a:avLst/>
-          </a:prstGeom>
-        </p:spPr>
-      </p:pic>
-      <p:pic>
-        <p:nvPicPr>
-          <p:cNvPr id="13" name="Object 12"/>
-          <p:cNvPicPr>
-            <a:picLocks noChangeAspect="1"/>
-          </p:cNvPicPr>
-          <p:nvPr/>
-        </p:nvPicPr>
-        <p:blipFill>
-          <a:blip r:embed="rId7" cstate="print"/>
-          <a:stretch>
-            <a:fillRect/>
-          </a:stretch>
-        </p:blipFill>
-        <p:spPr>
-          <a:xfrm>
-            <a:off x="309345" y="121753"/>
-            <a:ext cx="7852371" cy="1321712"/>
+          <p:cNvPr id="16" name="Object 15"/>
+          <p:cNvPicPr>
+            <a:picLocks noChangeAspect="1"/>
+          </p:cNvPicPr>
+          <p:nvPr/>
+        </p:nvPicPr>
+        <p:blipFill>
+          <a:blip r:embed="rId10" cstate="print"/>
+          <a:stretch>
+            <a:fillRect/>
+          </a:stretch>
+        </p:blipFill>
+        <p:spPr>
+          <a:xfrm>
+            <a:off x="14593729" y="2390396"/>
+            <a:ext cx="3533754" cy="1300776"/>
           </a:xfrm>
           <a:prstGeom prst="rect">
             <a:avLst/>
@@ -8843,30 +9593,30 @@
         </p:nvGrpSpPr>
         <p:grpSpPr>
           <a:xfrm>
-            <a:off x="2699802" y="3051696"/>
-            <a:ext cx="756560" cy="741224"/>
-            <a:chOff x="2699802" y="3051696"/>
-            <a:chExt cx="756560" cy="741224"/>
+            <a:off x="414104" y="3633891"/>
+            <a:ext cx="544255" cy="570321"/>
+            <a:chOff x="414104" y="3633891"/>
+            <a:chExt cx="544255" cy="570321"/>
           </a:xfrm>
         </p:grpSpPr>
         <p:pic>
           <p:nvPicPr>
-            <p:cNvPr id="15" name="Object 14"/>
-            <p:cNvPicPr>
-              <a:picLocks noChangeAspect="1"/>
-            </p:cNvPicPr>
-            <p:nvPr/>
-          </p:nvPicPr>
-          <p:blipFill>
-            <a:blip r:embed="rId8" cstate="print"/>
+            <p:cNvPr id="18" name="Object 17"/>
+            <p:cNvPicPr>
+              <a:picLocks noChangeAspect="1"/>
+            </p:cNvPicPr>
+            <p:nvPr/>
+          </p:nvPicPr>
+          <p:blipFill>
+            <a:blip r:embed="rId11" cstate="print"/>
             <a:stretch>
               <a:fillRect/>
             </a:stretch>
           </p:blipFill>
           <p:spPr>
             <a:xfrm>
-              <a:off x="2699802" y="3051696"/>
-              <a:ext cx="756560" cy="741224"/>
+              <a:off x="414104" y="3633891"/>
+              <a:ext cx="544255" cy="570321"/>
             </a:xfrm>
             <a:prstGeom prst="rect">
               <a:avLst/>
@@ -8876,46 +9626,22 @@
       </p:grpSp>
       <p:pic>
         <p:nvPicPr>
-          <p:cNvPr id="17" name="Object 16"/>
-          <p:cNvPicPr>
-            <a:picLocks noChangeAspect="1"/>
-          </p:cNvPicPr>
-          <p:nvPr/>
-        </p:nvPicPr>
-        <p:blipFill>
-          <a:blip r:embed="rId9" cstate="print"/>
-          <a:stretch>
-            <a:fillRect/>
-          </a:stretch>
-        </p:blipFill>
-        <p:spPr>
-          <a:xfrm>
-            <a:off x="3281775" y="3083831"/>
-            <a:ext cx="3381026" cy="1525238"/>
-          </a:xfrm>
-          <a:prstGeom prst="rect">
-            <a:avLst/>
-          </a:prstGeom>
-        </p:spPr>
-      </p:pic>
-      <p:pic>
-        <p:nvPicPr>
-          <p:cNvPr id="18" name="Object 17"/>
-          <p:cNvPicPr>
-            <a:picLocks noChangeAspect="1"/>
-          </p:cNvPicPr>
-          <p:nvPr/>
-        </p:nvPicPr>
-        <p:blipFill>
-          <a:blip r:embed="rId10" cstate="print"/>
-          <a:stretch>
-            <a:fillRect/>
-          </a:stretch>
-        </p:blipFill>
-        <p:spPr>
-          <a:xfrm>
-            <a:off x="3341862" y="2964402"/>
-            <a:ext cx="3077566" cy="762620"/>
+          <p:cNvPr id="20" name="Object 19"/>
+          <p:cNvPicPr>
+            <a:picLocks noChangeAspect="1"/>
+          </p:cNvPicPr>
+          <p:nvPr/>
+        </p:nvPicPr>
+        <p:blipFill>
+          <a:blip r:embed="rId12" cstate="print"/>
+          <a:stretch>
+            <a:fillRect/>
+          </a:stretch>
+        </p:blipFill>
+        <p:spPr>
+          <a:xfrm>
+            <a:off x="951045" y="3640287"/>
+            <a:ext cx="1854921" cy="991405"/>
           </a:xfrm>
           <a:prstGeom prst="rect">
             <a:avLst/>
@@ -8930,30 +9656,30 @@
         </p:nvGrpSpPr>
         <p:grpSpPr>
           <a:xfrm>
-            <a:off x="10781350" y="3051696"/>
-            <a:ext cx="673598" cy="659944"/>
-            <a:chOff x="10781350" y="3051696"/>
-            <a:chExt cx="673598" cy="659944"/>
+            <a:off x="414104" y="4783695"/>
+            <a:ext cx="544255" cy="570321"/>
+            <a:chOff x="414104" y="4783695"/>
+            <a:chExt cx="544255" cy="570321"/>
           </a:xfrm>
         </p:grpSpPr>
         <p:pic>
           <p:nvPicPr>
-            <p:cNvPr id="20" name="Object 19"/>
-            <p:cNvPicPr>
-              <a:picLocks noChangeAspect="1"/>
-            </p:cNvPicPr>
-            <p:nvPr/>
-          </p:nvPicPr>
-          <p:blipFill>
-            <a:blip r:embed="rId11" cstate="print"/>
+            <p:cNvPr id="22" name="Object 21"/>
+            <p:cNvPicPr>
+              <a:picLocks noChangeAspect="1"/>
+            </p:cNvPicPr>
+            <p:nvPr/>
+          </p:nvPicPr>
+          <p:blipFill>
+            <a:blip r:embed="rId13" cstate="print"/>
             <a:stretch>
               <a:fillRect/>
             </a:stretch>
           </p:blipFill>
           <p:spPr>
             <a:xfrm>
-              <a:off x="10781350" y="3051696"/>
-              <a:ext cx="673598" cy="659944"/>
+              <a:off x="414104" y="4783695"/>
+              <a:ext cx="544255" cy="570321"/>
             </a:xfrm>
             <a:prstGeom prst="rect">
               <a:avLst/>
@@ -8963,46 +9689,22 @@
       </p:grpSp>
       <p:pic>
         <p:nvPicPr>
-          <p:cNvPr id="22" name="Object 21"/>
-          <p:cNvPicPr>
-            <a:picLocks noChangeAspect="1"/>
-          </p:cNvPicPr>
-          <p:nvPr/>
-        </p:nvPicPr>
-        <p:blipFill>
-          <a:blip r:embed="rId12" cstate="print"/>
-          <a:stretch>
-            <a:fillRect/>
-          </a:stretch>
-        </p:blipFill>
-        <p:spPr>
-          <a:xfrm>
-            <a:off x="11223127" y="2952089"/>
-            <a:ext cx="4143543" cy="1525239"/>
-          </a:xfrm>
-          <a:prstGeom prst="rect">
-            <a:avLst/>
-          </a:prstGeom>
-        </p:spPr>
-      </p:pic>
-      <p:pic>
-        <p:nvPicPr>
-          <p:cNvPr id="23" name="Object 22"/>
-          <p:cNvPicPr>
-            <a:picLocks noChangeAspect="1"/>
-          </p:cNvPicPr>
-          <p:nvPr/>
-        </p:nvPicPr>
-        <p:blipFill>
-          <a:blip r:embed="rId13" cstate="print"/>
-          <a:stretch>
-            <a:fillRect/>
-          </a:stretch>
-        </p:blipFill>
-        <p:spPr>
-          <a:xfrm>
-            <a:off x="8202790" y="3083831"/>
-            <a:ext cx="1252421" cy="1525238"/>
+          <p:cNvPr id="24" name="Object 23"/>
+          <p:cNvPicPr>
+            <a:picLocks noChangeAspect="1"/>
+          </p:cNvPicPr>
+          <p:nvPr/>
+        </p:nvPicPr>
+        <p:blipFill>
+          <a:blip r:embed="rId14" cstate="print"/>
+          <a:stretch>
+            <a:fillRect/>
+          </a:stretch>
+        </p:blipFill>
+        <p:spPr>
+          <a:xfrm>
+            <a:off x="951046" y="4790092"/>
+            <a:ext cx="1517345" cy="991405"/>
           </a:xfrm>
           <a:prstGeom prst="rect">
             <a:avLst/>
@@ -9017,29 +9719,29 @@
         </p:nvGrpSpPr>
         <p:grpSpPr>
           <a:xfrm>
-            <a:off x="1721795" y="4085307"/>
+            <a:off x="414104" y="5965601"/>
             <a:ext cx="544255" cy="570321"/>
-            <a:chOff x="1721795" y="4085307"/>
+            <a:chOff x="414104" y="5965601"/>
             <a:chExt cx="544255" cy="570321"/>
           </a:xfrm>
         </p:grpSpPr>
         <p:pic>
           <p:nvPicPr>
-            <p:cNvPr id="25" name="Object 24"/>
-            <p:cNvPicPr>
-              <a:picLocks noChangeAspect="1"/>
-            </p:cNvPicPr>
-            <p:nvPr/>
-          </p:nvPicPr>
-          <p:blipFill>
-            <a:blip r:embed="rId14" cstate="print"/>
+            <p:cNvPr id="26" name="Object 25"/>
+            <p:cNvPicPr>
+              <a:picLocks noChangeAspect="1"/>
+            </p:cNvPicPr>
+            <p:nvPr/>
+          </p:nvPicPr>
+          <p:blipFill>
+            <a:blip r:embed="rId15" cstate="print"/>
             <a:stretch>
               <a:fillRect/>
             </a:stretch>
           </p:blipFill>
           <p:spPr>
             <a:xfrm>
-              <a:off x="1721795" y="4085307"/>
+              <a:off x="414104" y="5965601"/>
               <a:ext cx="544255" cy="570321"/>
             </a:xfrm>
             <a:prstGeom prst="rect">
@@ -9050,22 +9752,22 @@
       </p:grpSp>
       <p:pic>
         <p:nvPicPr>
-          <p:cNvPr id="27" name="Object 26"/>
-          <p:cNvPicPr>
-            <a:picLocks noChangeAspect="1"/>
-          </p:cNvPicPr>
-          <p:nvPr/>
-        </p:nvPicPr>
-        <p:blipFill>
-          <a:blip r:embed="rId15" cstate="print"/>
-          <a:stretch>
-            <a:fillRect/>
-          </a:stretch>
-        </p:blipFill>
-        <p:spPr>
-          <a:xfrm>
-            <a:off x="2258737" y="4091710"/>
-            <a:ext cx="1854921" cy="991405"/>
+          <p:cNvPr id="28" name="Object 27"/>
+          <p:cNvPicPr>
+            <a:picLocks noChangeAspect="1"/>
+          </p:cNvPicPr>
+          <p:nvPr/>
+        </p:nvPicPr>
+        <p:blipFill>
+          <a:blip r:embed="rId16" cstate="print"/>
+          <a:stretch>
+            <a:fillRect/>
+          </a:stretch>
+        </p:blipFill>
+        <p:spPr>
+          <a:xfrm>
+            <a:off x="951045" y="5971995"/>
+            <a:ext cx="2118608" cy="991405"/>
           </a:xfrm>
           <a:prstGeom prst="rect">
             <a:avLst/>
@@ -9080,29 +9782,29 @@
         </p:nvGrpSpPr>
         <p:grpSpPr>
           <a:xfrm>
-            <a:off x="1721795" y="4761798"/>
+            <a:off x="414104" y="7259844"/>
             <a:ext cx="544255" cy="570321"/>
-            <a:chOff x="1721795" y="4761798"/>
+            <a:chOff x="414104" y="7259844"/>
             <a:chExt cx="544255" cy="570321"/>
           </a:xfrm>
         </p:grpSpPr>
         <p:pic>
           <p:nvPicPr>
-            <p:cNvPr id="29" name="Object 28"/>
-            <p:cNvPicPr>
-              <a:picLocks noChangeAspect="1"/>
-            </p:cNvPicPr>
-            <p:nvPr/>
-          </p:nvPicPr>
-          <p:blipFill>
-            <a:blip r:embed="rId16" cstate="print"/>
+            <p:cNvPr id="30" name="Object 29"/>
+            <p:cNvPicPr>
+              <a:picLocks noChangeAspect="1"/>
+            </p:cNvPicPr>
+            <p:nvPr/>
+          </p:nvPicPr>
+          <p:blipFill>
+            <a:blip r:embed="rId17" cstate="print"/>
             <a:stretch>
               <a:fillRect/>
             </a:stretch>
           </p:blipFill>
           <p:spPr>
             <a:xfrm>
-              <a:off x="1721795" y="4761798"/>
+              <a:off x="414104" y="7259844"/>
               <a:ext cx="544255" cy="570321"/>
             </a:xfrm>
             <a:prstGeom prst="rect">
@@ -9113,22 +9815,22 @@
       </p:grpSp>
       <p:pic>
         <p:nvPicPr>
-          <p:cNvPr id="31" name="Object 30"/>
-          <p:cNvPicPr>
-            <a:picLocks noChangeAspect="1"/>
-          </p:cNvPicPr>
-          <p:nvPr/>
-        </p:nvPicPr>
-        <p:blipFill>
-          <a:blip r:embed="rId17" cstate="print"/>
-          <a:stretch>
-            <a:fillRect/>
-          </a:stretch>
-        </p:blipFill>
-        <p:spPr>
-          <a:xfrm>
-            <a:off x="2258737" y="4768200"/>
-            <a:ext cx="2118608" cy="991405"/>
+          <p:cNvPr id="32" name="Object 31"/>
+          <p:cNvPicPr>
+            <a:picLocks noChangeAspect="1"/>
+          </p:cNvPicPr>
+          <p:nvPr/>
+        </p:nvPicPr>
+        <p:blipFill>
+          <a:blip r:embed="rId18" cstate="print"/>
+          <a:stretch>
+            <a:fillRect/>
+          </a:stretch>
+        </p:blipFill>
+        <p:spPr>
+          <a:xfrm>
+            <a:off x="951045" y="7266247"/>
+            <a:ext cx="2382296" cy="991405"/>
           </a:xfrm>
           <a:prstGeom prst="rect">
             <a:avLst/>
@@ -9143,29 +9845,29 @@
         </p:nvGrpSpPr>
         <p:grpSpPr>
           <a:xfrm>
-            <a:off x="1721795" y="5428116"/>
+            <a:off x="414104" y="8666796"/>
             <a:ext cx="544255" cy="570321"/>
-            <a:chOff x="1721795" y="5428116"/>
+            <a:chOff x="414104" y="8666796"/>
             <a:chExt cx="544255" cy="570321"/>
           </a:xfrm>
         </p:grpSpPr>
         <p:pic>
           <p:nvPicPr>
-            <p:cNvPr id="33" name="Object 32"/>
-            <p:cNvPicPr>
-              <a:picLocks noChangeAspect="1"/>
-            </p:cNvPicPr>
-            <p:nvPr/>
-          </p:nvPicPr>
-          <p:blipFill>
-            <a:blip r:embed="rId18" cstate="print"/>
+            <p:cNvPr id="34" name="Object 33"/>
+            <p:cNvPicPr>
+              <a:picLocks noChangeAspect="1"/>
+            </p:cNvPicPr>
+            <p:nvPr/>
+          </p:nvPicPr>
+          <p:blipFill>
+            <a:blip r:embed="rId19" cstate="print"/>
             <a:stretch>
               <a:fillRect/>
             </a:stretch>
           </p:blipFill>
           <p:spPr>
             <a:xfrm>
-              <a:off x="1721795" y="5428116"/>
+              <a:off x="414104" y="8666796"/>
               <a:ext cx="544255" cy="570321"/>
             </a:xfrm>
             <a:prstGeom prst="rect">
@@ -9176,22 +9878,22 @@
       </p:grpSp>
       <p:pic>
         <p:nvPicPr>
-          <p:cNvPr id="35" name="Object 34"/>
-          <p:cNvPicPr>
-            <a:picLocks noChangeAspect="1"/>
-          </p:cNvPicPr>
-          <p:nvPr/>
-        </p:nvPicPr>
-        <p:blipFill>
-          <a:blip r:embed="rId19" cstate="print"/>
-          <a:stretch>
-            <a:fillRect/>
-          </a:stretch>
-        </p:blipFill>
-        <p:spPr>
-          <a:xfrm>
-            <a:off x="2258737" y="5434516"/>
-            <a:ext cx="1517345" cy="991405"/>
+          <p:cNvPr id="36" name="Object 35"/>
+          <p:cNvPicPr>
+            <a:picLocks noChangeAspect="1"/>
+          </p:cNvPicPr>
+          <p:nvPr/>
+        </p:nvPicPr>
+        <p:blipFill>
+          <a:blip r:embed="rId20" cstate="print"/>
+          <a:stretch>
+            <a:fillRect/>
+          </a:stretch>
+        </p:blipFill>
+        <p:spPr>
+          <a:xfrm>
+            <a:off x="951045" y="8673197"/>
+            <a:ext cx="2382296" cy="991405"/>
           </a:xfrm>
           <a:prstGeom prst="rect">
             <a:avLst/>
@@ -9206,30 +9908,30 @@
         </p:nvGrpSpPr>
         <p:grpSpPr>
           <a:xfrm>
-            <a:off x="1721795" y="6076471"/>
-            <a:ext cx="544255" cy="570321"/>
-            <a:chOff x="1721795" y="6076471"/>
-            <a:chExt cx="544255" cy="570321"/>
+            <a:off x="7313492" y="2460501"/>
+            <a:ext cx="597139" cy="543928"/>
+            <a:chOff x="7313492" y="2460501"/>
+            <a:chExt cx="597139" cy="543928"/>
           </a:xfrm>
         </p:grpSpPr>
         <p:pic>
           <p:nvPicPr>
-            <p:cNvPr id="37" name="Object 36"/>
-            <p:cNvPicPr>
-              <a:picLocks noChangeAspect="1"/>
-            </p:cNvPicPr>
-            <p:nvPr/>
-          </p:nvPicPr>
-          <p:blipFill>
-            <a:blip r:embed="rId20" cstate="print"/>
+            <p:cNvPr id="38" name="Object 37"/>
+            <p:cNvPicPr>
+              <a:picLocks noChangeAspect="1"/>
+            </p:cNvPicPr>
+            <p:nvPr/>
+          </p:nvPicPr>
+          <p:blipFill>
+            <a:blip r:embed="rId21" cstate="print"/>
             <a:stretch>
               <a:fillRect/>
             </a:stretch>
           </p:blipFill>
           <p:spPr>
             <a:xfrm>
-              <a:off x="1721795" y="6076471"/>
-              <a:ext cx="544255" cy="570321"/>
+              <a:off x="7313492" y="2460501"/>
+              <a:ext cx="597139" cy="543928"/>
             </a:xfrm>
             <a:prstGeom prst="rect">
               <a:avLst/>
@@ -9239,22 +9941,22 @@
       </p:grpSp>
       <p:pic>
         <p:nvPicPr>
-          <p:cNvPr id="39" name="Object 38"/>
-          <p:cNvPicPr>
-            <a:picLocks noChangeAspect="1"/>
-          </p:cNvPicPr>
-          <p:nvPr/>
-        </p:nvPicPr>
-        <p:blipFill>
-          <a:blip r:embed="rId21" cstate="print"/>
-          <a:stretch>
-            <a:fillRect/>
-          </a:stretch>
-        </p:blipFill>
-        <p:spPr>
-          <a:xfrm>
-            <a:off x="2258737" y="6082869"/>
-            <a:ext cx="1517345" cy="991405"/>
+          <p:cNvPr id="40" name="Object 39"/>
+          <p:cNvPicPr>
+            <a:picLocks noChangeAspect="1"/>
+          </p:cNvPicPr>
+          <p:nvPr/>
+        </p:nvPicPr>
+        <p:blipFill>
+          <a:blip r:embed="rId22" cstate="print"/>
+          <a:stretch>
+            <a:fillRect/>
+          </a:stretch>
+        </p:blipFill>
+        <p:spPr>
+          <a:xfrm>
+            <a:off x="7761737" y="2339769"/>
+            <a:ext cx="3129636" cy="1300776"/>
           </a:xfrm>
           <a:prstGeom prst="rect">
             <a:avLst/>
@@ -9269,30 +9971,30 @@
         </p:nvGrpSpPr>
         <p:grpSpPr>
           <a:xfrm>
-            <a:off x="1721795" y="6730225"/>
-            <a:ext cx="544255" cy="570321"/>
-            <a:chOff x="1721795" y="6730225"/>
-            <a:chExt cx="544255" cy="570321"/>
+            <a:off x="10934003" y="2489283"/>
+            <a:ext cx="555600" cy="536441"/>
+            <a:chOff x="10934003" y="2489283"/>
+            <a:chExt cx="555600" cy="536441"/>
           </a:xfrm>
         </p:grpSpPr>
         <p:pic>
           <p:nvPicPr>
-            <p:cNvPr id="41" name="Object 40"/>
-            <p:cNvPicPr>
-              <a:picLocks noChangeAspect="1"/>
-            </p:cNvPicPr>
-            <p:nvPr/>
-          </p:nvPicPr>
-          <p:blipFill>
-            <a:blip r:embed="rId22" cstate="print"/>
+            <p:cNvPr id="42" name="Object 41"/>
+            <p:cNvPicPr>
+              <a:picLocks noChangeAspect="1"/>
+            </p:cNvPicPr>
+            <p:nvPr/>
+          </p:nvPicPr>
+          <p:blipFill>
+            <a:blip r:embed="rId23" cstate="print"/>
             <a:stretch>
               <a:fillRect/>
             </a:stretch>
           </p:blipFill>
           <p:spPr>
             <a:xfrm>
-              <a:off x="1721795" y="6730225"/>
-              <a:ext cx="544255" cy="570321"/>
+              <a:off x="10934003" y="2489283"/>
+              <a:ext cx="555600" cy="536441"/>
             </a:xfrm>
             <a:prstGeom prst="rect">
               <a:avLst/>
@@ -9302,22 +10004,22 @@
       </p:grpSp>
       <p:pic>
         <p:nvPicPr>
-          <p:cNvPr id="43" name="Object 42"/>
-          <p:cNvPicPr>
-            <a:picLocks noChangeAspect="1"/>
-          </p:cNvPicPr>
-          <p:nvPr/>
-        </p:nvPicPr>
-        <p:blipFill>
-          <a:blip r:embed="rId23" cstate="print"/>
-          <a:stretch>
-            <a:fillRect/>
-          </a:stretch>
-        </p:blipFill>
-        <p:spPr>
-          <a:xfrm>
-            <a:off x="2258737" y="6736623"/>
-            <a:ext cx="2118608" cy="991405"/>
+          <p:cNvPr id="44" name="Object 43"/>
+          <p:cNvPicPr>
+            <a:picLocks noChangeAspect="1"/>
+          </p:cNvPicPr>
+          <p:nvPr/>
+        </p:nvPicPr>
+        <p:blipFill>
+          <a:blip r:embed="rId24" cstate="print"/>
+          <a:stretch>
+            <a:fillRect/>
+          </a:stretch>
+        </p:blipFill>
+        <p:spPr>
+          <a:xfrm>
+            <a:off x="11321677" y="2373830"/>
+            <a:ext cx="3006565" cy="1300776"/>
           </a:xfrm>
           <a:prstGeom prst="rect">
             <a:avLst/>
@@ -9332,30 +10034,30 @@
         </p:nvGrpSpPr>
         <p:grpSpPr>
           <a:xfrm>
-            <a:off x="1721795" y="7333281"/>
-            <a:ext cx="544255" cy="570321"/>
-            <a:chOff x="1721795" y="7333281"/>
-            <a:chExt cx="544255" cy="570321"/>
+            <a:off x="414104" y="3391592"/>
+            <a:ext cx="17771559" cy="42299"/>
+            <a:chOff x="414104" y="3391592"/>
+            <a:chExt cx="17771559" cy="42299"/>
           </a:xfrm>
         </p:grpSpPr>
         <p:pic>
           <p:nvPicPr>
-            <p:cNvPr id="45" name="Object 44"/>
-            <p:cNvPicPr>
-              <a:picLocks noChangeAspect="1"/>
-            </p:cNvPicPr>
-            <p:nvPr/>
-          </p:nvPicPr>
-          <p:blipFill>
-            <a:blip r:embed="rId24" cstate="print"/>
+            <p:cNvPr id="46" name="Object 45"/>
+            <p:cNvPicPr>
+              <a:picLocks noChangeAspect="1"/>
+            </p:cNvPicPr>
+            <p:nvPr/>
+          </p:nvPicPr>
+          <p:blipFill>
+            <a:blip r:embed="rId25" cstate="print"/>
             <a:stretch>
               <a:fillRect/>
             </a:stretch>
           </p:blipFill>
           <p:spPr>
             <a:xfrm>
-              <a:off x="1721795" y="7333281"/>
-              <a:ext cx="544255" cy="570321"/>
+              <a:off x="414104" y="3391592"/>
+              <a:ext cx="17771559" cy="42299"/>
             </a:xfrm>
             <a:prstGeom prst="rect">
               <a:avLst/>
@@ -9363,30 +10065,6 @@
           </p:spPr>
         </p:pic>
       </p:grpSp>
-      <p:pic>
-        <p:nvPicPr>
-          <p:cNvPr id="47" name="Object 46"/>
-          <p:cNvPicPr>
-            <a:picLocks noChangeAspect="1"/>
-          </p:cNvPicPr>
-          <p:nvPr/>
-        </p:nvPicPr>
-        <p:blipFill>
-          <a:blip r:embed="rId25" cstate="print"/>
-          <a:stretch>
-            <a:fillRect/>
-          </a:stretch>
-        </p:blipFill>
-        <p:spPr>
-          <a:xfrm>
-            <a:off x="2258737" y="7339677"/>
-            <a:ext cx="1854921" cy="991405"/>
-          </a:xfrm>
-          <a:prstGeom prst="rect">
-            <a:avLst/>
-          </a:prstGeom>
-        </p:spPr>
-      </p:pic>
       <p:grpSp>
         <p:nvGrpSpPr>
           <p:cNvPr id="1012" name="그룹 1012"/>
@@ -9395,10 +10073,10 @@
         </p:nvGrpSpPr>
         <p:grpSpPr>
           <a:xfrm>
-            <a:off x="1721795" y="7981636"/>
-            <a:ext cx="544255" cy="570321"/>
-            <a:chOff x="1721795" y="7981636"/>
-            <a:chExt cx="544255" cy="570321"/>
+            <a:off x="-171915" y="6035681"/>
+            <a:ext cx="7225813" cy="9902"/>
+            <a:chOff x="-171915" y="6035681"/>
+            <a:chExt cx="7225813" cy="9902"/>
           </a:xfrm>
         </p:grpSpPr>
         <p:pic>
@@ -9416,9 +10094,9 @@
             </a:stretch>
           </p:blipFill>
           <p:spPr>
-            <a:xfrm>
-              <a:off x="1721795" y="7981636"/>
-              <a:ext cx="544255" cy="570321"/>
+            <a:xfrm rot="5400000">
+              <a:off x="-171915" y="6035681"/>
+              <a:ext cx="7225813" cy="9902"/>
             </a:xfrm>
             <a:prstGeom prst="rect">
               <a:avLst/>
@@ -9426,30 +10104,6 @@
           </p:spPr>
         </p:pic>
       </p:grpSp>
-      <p:pic>
-        <p:nvPicPr>
-          <p:cNvPr id="51" name="Object 50"/>
-          <p:cNvPicPr>
-            <a:picLocks noChangeAspect="1"/>
-          </p:cNvPicPr>
-          <p:nvPr/>
-        </p:nvPicPr>
-        <p:blipFill>
-          <a:blip r:embed="rId27" cstate="print"/>
-          <a:stretch>
-            <a:fillRect/>
-          </a:stretch>
-        </p:blipFill>
-        <p:spPr>
-          <a:xfrm>
-            <a:off x="2258737" y="7988030"/>
-            <a:ext cx="2724411" cy="991405"/>
-          </a:xfrm>
-          <a:prstGeom prst="rect">
-            <a:avLst/>
-          </a:prstGeom>
-        </p:spPr>
-      </p:pic>
       <p:grpSp>
         <p:nvGrpSpPr>
           <p:cNvPr id="1013" name="그룹 1013"/>
@@ -9458,30 +10112,30 @@
         </p:nvGrpSpPr>
         <p:grpSpPr>
           <a:xfrm>
-            <a:off x="1721795" y="8635390"/>
-            <a:ext cx="544255" cy="570321"/>
-            <a:chOff x="1721795" y="8635390"/>
-            <a:chExt cx="544255" cy="570321"/>
+            <a:off x="3733116" y="2170768"/>
+            <a:ext cx="3352895" cy="7379810"/>
+            <a:chOff x="3733116" y="2170768"/>
+            <a:chExt cx="3352895" cy="7379810"/>
           </a:xfrm>
         </p:grpSpPr>
         <p:pic>
           <p:nvPicPr>
-            <p:cNvPr id="53" name="Object 52"/>
-            <p:cNvPicPr>
-              <a:picLocks noChangeAspect="1"/>
-            </p:cNvPicPr>
-            <p:nvPr/>
-          </p:nvPicPr>
-          <p:blipFill>
-            <a:blip r:embed="rId28" cstate="print"/>
+            <p:cNvPr id="52" name="Object 51"/>
+            <p:cNvPicPr>
+              <a:picLocks noChangeAspect="1"/>
+            </p:cNvPicPr>
+            <p:nvPr/>
+          </p:nvPicPr>
+          <p:blipFill>
+            <a:blip r:embed="rId27" cstate="print"/>
             <a:stretch>
               <a:fillRect/>
             </a:stretch>
           </p:blipFill>
           <p:spPr>
             <a:xfrm>
-              <a:off x="1721795" y="8635390"/>
-              <a:ext cx="544255" cy="570321"/>
+              <a:off x="3733116" y="2170768"/>
+              <a:ext cx="3352895" cy="7379810"/>
             </a:xfrm>
             <a:prstGeom prst="rect">
               <a:avLst/>
@@ -9491,6 +10145,30 @@
       </p:grpSp>
       <p:pic>
         <p:nvPicPr>
+          <p:cNvPr id="54" name="Object 53"/>
+          <p:cNvPicPr>
+            <a:picLocks noChangeAspect="1"/>
+          </p:cNvPicPr>
+          <p:nvPr/>
+        </p:nvPicPr>
+        <p:blipFill>
+          <a:blip r:embed="rId28" cstate="print"/>
+          <a:stretch>
+            <a:fillRect/>
+          </a:stretch>
+        </p:blipFill>
+        <p:spPr>
+          <a:xfrm>
+            <a:off x="5018001" y="3430722"/>
+            <a:ext cx="1183180" cy="1774940"/>
+          </a:xfrm>
+          <a:prstGeom prst="rect">
+            <a:avLst/>
+          </a:prstGeom>
+        </p:spPr>
+      </p:pic>
+      <p:pic>
+        <p:nvPicPr>
           <p:cNvPr id="55" name="Object 54"/>
           <p:cNvPicPr>
             <a:picLocks noChangeAspect="1"/>
@@ -9505,53 +10183,86 @@
         </p:blipFill>
         <p:spPr>
           <a:xfrm>
-            <a:off x="2258737" y="8641784"/>
-            <a:ext cx="2118608" cy="991405"/>
-          </a:xfrm>
-          <a:prstGeom prst="rect">
-            <a:avLst/>
-          </a:prstGeom>
-        </p:spPr>
-      </p:pic>
-      <p:grpSp>
-        <p:nvGrpSpPr>
-          <p:cNvPr id="1014" name="그룹 1014"/>
-          <p:cNvGrpSpPr/>
-          <p:nvPr/>
-        </p:nvGrpSpPr>
-        <p:grpSpPr>
-          <a:xfrm>
-            <a:off x="4323890" y="4085307"/>
-            <a:ext cx="544255" cy="570321"/>
-            <a:chOff x="4323890" y="4085307"/>
-            <a:chExt cx="544255" cy="570321"/>
-          </a:xfrm>
-        </p:grpSpPr>
-        <p:pic>
-          <p:nvPicPr>
-            <p:cNvPr id="57" name="Object 56"/>
-            <p:cNvPicPr>
-              <a:picLocks noChangeAspect="1"/>
-            </p:cNvPicPr>
-            <p:nvPr/>
-          </p:nvPicPr>
-          <p:blipFill>
-            <a:blip r:embed="rId30" cstate="print"/>
-            <a:stretch>
-              <a:fillRect/>
-            </a:stretch>
-          </p:blipFill>
-          <p:spPr>
-            <a:xfrm>
-              <a:off x="4323890" y="4085307"/>
-              <a:ext cx="544255" cy="570321"/>
-            </a:xfrm>
-            <a:prstGeom prst="rect">
-              <a:avLst/>
-            </a:prstGeom>
-          </p:spPr>
-        </p:pic>
-      </p:grpSp>
+            <a:off x="5018001" y="4580526"/>
+            <a:ext cx="1183180" cy="1774940"/>
+          </a:xfrm>
+          <a:prstGeom prst="rect">
+            <a:avLst/>
+          </a:prstGeom>
+        </p:spPr>
+      </p:pic>
+      <p:pic>
+        <p:nvPicPr>
+          <p:cNvPr id="56" name="Object 55"/>
+          <p:cNvPicPr>
+            <a:picLocks noChangeAspect="1"/>
+          </p:cNvPicPr>
+          <p:nvPr/>
+        </p:nvPicPr>
+        <p:blipFill>
+          <a:blip r:embed="rId30" cstate="print"/>
+          <a:stretch>
+            <a:fillRect/>
+          </a:stretch>
+        </p:blipFill>
+        <p:spPr>
+          <a:xfrm>
+            <a:off x="5018001" y="5762431"/>
+            <a:ext cx="1183180" cy="1774940"/>
+          </a:xfrm>
+          <a:prstGeom prst="rect">
+            <a:avLst/>
+          </a:prstGeom>
+        </p:spPr>
+      </p:pic>
+      <p:pic>
+        <p:nvPicPr>
+          <p:cNvPr id="57" name="Object 56"/>
+          <p:cNvPicPr>
+            <a:picLocks noChangeAspect="1"/>
+          </p:cNvPicPr>
+          <p:nvPr/>
+        </p:nvPicPr>
+        <p:blipFill>
+          <a:blip r:embed="rId31" cstate="print"/>
+          <a:stretch>
+            <a:fillRect/>
+          </a:stretch>
+        </p:blipFill>
+        <p:spPr>
+          <a:xfrm>
+            <a:off x="5014809" y="7056674"/>
+            <a:ext cx="1183180" cy="1774940"/>
+          </a:xfrm>
+          <a:prstGeom prst="rect">
+            <a:avLst/>
+          </a:prstGeom>
+        </p:spPr>
+      </p:pic>
+      <p:pic>
+        <p:nvPicPr>
+          <p:cNvPr id="58" name="Object 57"/>
+          <p:cNvPicPr>
+            <a:picLocks noChangeAspect="1"/>
+          </p:cNvPicPr>
+          <p:nvPr/>
+        </p:nvPicPr>
+        <p:blipFill>
+          <a:blip r:embed="rId32" cstate="print"/>
+          <a:stretch>
+            <a:fillRect/>
+          </a:stretch>
+        </p:blipFill>
+        <p:spPr>
+          <a:xfrm>
+            <a:off x="5025980" y="8463626"/>
+            <a:ext cx="1183180" cy="1774940"/>
+          </a:xfrm>
+          <a:prstGeom prst="rect">
+            <a:avLst/>
+          </a:prstGeom>
+        </p:spPr>
+      </p:pic>
       <p:pic>
         <p:nvPicPr>
           <p:cNvPr id="59" name="Object 58"/>
@@ -9561,60 +10272,93 @@
           <p:nvPr/>
         </p:nvPicPr>
         <p:blipFill>
-          <a:blip r:embed="rId31" cstate="print"/>
-          <a:stretch>
-            <a:fillRect/>
-          </a:stretch>
-        </p:blipFill>
-        <p:spPr>
-          <a:xfrm>
-            <a:off x="4860831" y="4091710"/>
-            <a:ext cx="2382296" cy="991405"/>
-          </a:xfrm>
-          <a:prstGeom prst="rect">
-            <a:avLst/>
-          </a:prstGeom>
-        </p:spPr>
-      </p:pic>
-      <p:grpSp>
-        <p:nvGrpSpPr>
-          <p:cNvPr id="1015" name="그룹 1015"/>
-          <p:cNvGrpSpPr/>
-          <p:nvPr/>
-        </p:nvGrpSpPr>
-        <p:grpSpPr>
-          <a:xfrm>
-            <a:off x="4323890" y="4761798"/>
-            <a:ext cx="544255" cy="570321"/>
-            <a:chOff x="4323890" y="4761798"/>
-            <a:chExt cx="544255" cy="570321"/>
-          </a:xfrm>
-        </p:grpSpPr>
-        <p:pic>
-          <p:nvPicPr>
-            <p:cNvPr id="61" name="Object 60"/>
-            <p:cNvPicPr>
-              <a:picLocks noChangeAspect="1"/>
-            </p:cNvPicPr>
-            <p:nvPr/>
-          </p:nvPicPr>
-          <p:blipFill>
-            <a:blip r:embed="rId32" cstate="print"/>
-            <a:stretch>
-              <a:fillRect/>
-            </a:stretch>
-          </p:blipFill>
-          <p:spPr>
-            <a:xfrm>
-              <a:off x="4323890" y="4761798"/>
-              <a:ext cx="544255" cy="570321"/>
-            </a:xfrm>
-            <a:prstGeom prst="rect">
-              <a:avLst/>
-            </a:prstGeom>
-          </p:spPr>
-        </p:pic>
-      </p:grpSp>
+          <a:blip r:embed="rId33" cstate="print"/>
+          <a:stretch>
+            <a:fillRect/>
+          </a:stretch>
+        </p:blipFill>
+        <p:spPr>
+          <a:xfrm>
+            <a:off x="8636588" y="3468817"/>
+            <a:ext cx="1183180" cy="1774940"/>
+          </a:xfrm>
+          <a:prstGeom prst="rect">
+            <a:avLst/>
+          </a:prstGeom>
+        </p:spPr>
+      </p:pic>
+      <p:pic>
+        <p:nvPicPr>
+          <p:cNvPr id="60" name="Object 59"/>
+          <p:cNvPicPr>
+            <a:picLocks noChangeAspect="1"/>
+          </p:cNvPicPr>
+          <p:nvPr/>
+        </p:nvPicPr>
+        <p:blipFill>
+          <a:blip r:embed="rId34" cstate="print"/>
+          <a:stretch>
+            <a:fillRect/>
+          </a:stretch>
+        </p:blipFill>
+        <p:spPr>
+          <a:xfrm>
+            <a:off x="8636588" y="4618621"/>
+            <a:ext cx="1183180" cy="1774940"/>
+          </a:xfrm>
+          <a:prstGeom prst="rect">
+            <a:avLst/>
+          </a:prstGeom>
+        </p:spPr>
+      </p:pic>
+      <p:pic>
+        <p:nvPicPr>
+          <p:cNvPr id="61" name="Object 60"/>
+          <p:cNvPicPr>
+            <a:picLocks noChangeAspect="1"/>
+          </p:cNvPicPr>
+          <p:nvPr/>
+        </p:nvPicPr>
+        <p:blipFill>
+          <a:blip r:embed="rId35" cstate="print"/>
+          <a:stretch>
+            <a:fillRect/>
+          </a:stretch>
+        </p:blipFill>
+        <p:spPr>
+          <a:xfrm>
+            <a:off x="8636584" y="5800526"/>
+            <a:ext cx="1146890" cy="1774936"/>
+          </a:xfrm>
+          <a:prstGeom prst="rect">
+            <a:avLst/>
+          </a:prstGeom>
+        </p:spPr>
+      </p:pic>
+      <p:pic>
+        <p:nvPicPr>
+          <p:cNvPr id="62" name="Object 61"/>
+          <p:cNvPicPr>
+            <a:picLocks noChangeAspect="1"/>
+          </p:cNvPicPr>
+          <p:nvPr/>
+        </p:nvPicPr>
+        <p:blipFill>
+          <a:blip r:embed="rId36" cstate="print"/>
+          <a:stretch>
+            <a:fillRect/>
+          </a:stretch>
+        </p:blipFill>
+        <p:spPr>
+          <a:xfrm>
+            <a:off x="8633396" y="7094770"/>
+            <a:ext cx="1183180" cy="1774940"/>
+          </a:xfrm>
+          <a:prstGeom prst="rect">
+            <a:avLst/>
+          </a:prstGeom>
+        </p:spPr>
+      </p:pic>
       <p:pic>
         <p:nvPicPr>
           <p:cNvPr id="63" name="Object 62"/>
@@ -9624,258 +10368,72 @@
           <p:nvPr/>
         </p:nvPicPr>
         <p:blipFill>
-          <a:blip r:embed="rId33" cstate="print"/>
-          <a:stretch>
-            <a:fillRect/>
-          </a:stretch>
-        </p:blipFill>
-        <p:spPr>
-          <a:xfrm>
-            <a:off x="4860831" y="4768200"/>
-            <a:ext cx="2382296" cy="991405"/>
-          </a:xfrm>
-          <a:prstGeom prst="rect">
-            <a:avLst/>
-          </a:prstGeom>
-        </p:spPr>
-      </p:pic>
-      <p:grpSp>
-        <p:nvGrpSpPr>
-          <p:cNvPr id="1016" name="그룹 1016"/>
-          <p:cNvGrpSpPr/>
-          <p:nvPr/>
-        </p:nvGrpSpPr>
-        <p:grpSpPr>
-          <a:xfrm>
-            <a:off x="10175889" y="4085307"/>
-            <a:ext cx="544255" cy="570321"/>
-            <a:chOff x="10175889" y="4085307"/>
-            <a:chExt cx="544255" cy="570321"/>
-          </a:xfrm>
-        </p:grpSpPr>
-        <p:pic>
-          <p:nvPicPr>
-            <p:cNvPr id="65" name="Object 64"/>
-            <p:cNvPicPr>
-              <a:picLocks noChangeAspect="1"/>
-            </p:cNvPicPr>
-            <p:nvPr/>
-          </p:nvPicPr>
-          <p:blipFill>
-            <a:blip r:embed="rId34" cstate="print"/>
-            <a:stretch>
-              <a:fillRect/>
-            </a:stretch>
-          </p:blipFill>
-          <p:spPr>
-            <a:xfrm>
-              <a:off x="10175889" y="4085307"/>
-              <a:ext cx="544255" cy="570321"/>
-            </a:xfrm>
-            <a:prstGeom prst="rect">
-              <a:avLst/>
-            </a:prstGeom>
-          </p:spPr>
-        </p:pic>
-      </p:grpSp>
-      <p:grpSp>
-        <p:nvGrpSpPr>
-          <p:cNvPr id="1017" name="그룹 1017"/>
-          <p:cNvGrpSpPr/>
-          <p:nvPr/>
-        </p:nvGrpSpPr>
-        <p:grpSpPr>
-          <a:xfrm>
-            <a:off x="10175889" y="4761798"/>
-            <a:ext cx="544255" cy="570321"/>
-            <a:chOff x="10175889" y="4761798"/>
-            <a:chExt cx="544255" cy="570321"/>
-          </a:xfrm>
-        </p:grpSpPr>
-        <p:pic>
-          <p:nvPicPr>
-            <p:cNvPr id="68" name="Object 67"/>
-            <p:cNvPicPr>
-              <a:picLocks noChangeAspect="1"/>
-            </p:cNvPicPr>
-            <p:nvPr/>
-          </p:nvPicPr>
-          <p:blipFill>
-            <a:blip r:embed="rId35" cstate="print"/>
-            <a:stretch>
-              <a:fillRect/>
-            </a:stretch>
-          </p:blipFill>
-          <p:spPr>
-            <a:xfrm>
-              <a:off x="10175889" y="4761798"/>
-              <a:ext cx="544255" cy="570321"/>
-            </a:xfrm>
-            <a:prstGeom prst="rect">
-              <a:avLst/>
-            </a:prstGeom>
-          </p:spPr>
-        </p:pic>
-      </p:grpSp>
-      <p:grpSp>
-        <p:nvGrpSpPr>
-          <p:cNvPr id="1018" name="그룹 1018"/>
-          <p:cNvGrpSpPr/>
-          <p:nvPr/>
-        </p:nvGrpSpPr>
-        <p:grpSpPr>
-          <a:xfrm>
-            <a:off x="10175889" y="5428116"/>
-            <a:ext cx="544255" cy="570321"/>
-            <a:chOff x="10175889" y="5428116"/>
-            <a:chExt cx="544255" cy="570321"/>
-          </a:xfrm>
-        </p:grpSpPr>
-        <p:pic>
-          <p:nvPicPr>
-            <p:cNvPr id="71" name="Object 70"/>
-            <p:cNvPicPr>
-              <a:picLocks noChangeAspect="1"/>
-            </p:cNvPicPr>
-            <p:nvPr/>
-          </p:nvPicPr>
-          <p:blipFill>
-            <a:blip r:embed="rId36" cstate="print"/>
-            <a:stretch>
-              <a:fillRect/>
-            </a:stretch>
-          </p:blipFill>
-          <p:spPr>
-            <a:xfrm>
-              <a:off x="10175889" y="5428116"/>
-              <a:ext cx="544255" cy="570321"/>
-            </a:xfrm>
-            <a:prstGeom prst="rect">
-              <a:avLst/>
-            </a:prstGeom>
-          </p:spPr>
-        </p:pic>
-      </p:grpSp>
-      <p:grpSp>
-        <p:nvGrpSpPr>
-          <p:cNvPr id="1019" name="그룹 1019"/>
-          <p:cNvGrpSpPr/>
-          <p:nvPr/>
-        </p:nvGrpSpPr>
-        <p:grpSpPr>
-          <a:xfrm>
-            <a:off x="10175889" y="6076471"/>
-            <a:ext cx="544255" cy="570321"/>
-            <a:chOff x="10175889" y="6076471"/>
-            <a:chExt cx="544255" cy="570321"/>
-          </a:xfrm>
-        </p:grpSpPr>
-        <p:pic>
-          <p:nvPicPr>
-            <p:cNvPr id="74" name="Object 73"/>
-            <p:cNvPicPr>
-              <a:picLocks noChangeAspect="1"/>
-            </p:cNvPicPr>
-            <p:nvPr/>
-          </p:nvPicPr>
-          <p:blipFill>
-            <a:blip r:embed="rId37" cstate="print"/>
-            <a:stretch>
-              <a:fillRect/>
-            </a:stretch>
-          </p:blipFill>
-          <p:spPr>
-            <a:xfrm>
-              <a:off x="10175889" y="6076471"/>
-              <a:ext cx="544255" cy="570321"/>
-            </a:xfrm>
-            <a:prstGeom prst="rect">
-              <a:avLst/>
-            </a:prstGeom>
-          </p:spPr>
-        </p:pic>
-      </p:grpSp>
-      <p:grpSp>
-        <p:nvGrpSpPr>
-          <p:cNvPr id="1020" name="그룹 1020"/>
-          <p:cNvGrpSpPr/>
-          <p:nvPr/>
-        </p:nvGrpSpPr>
-        <p:grpSpPr>
-          <a:xfrm>
-            <a:off x="10175889" y="6730225"/>
-            <a:ext cx="544255" cy="570321"/>
-            <a:chOff x="10175889" y="6730225"/>
-            <a:chExt cx="544255" cy="570321"/>
-          </a:xfrm>
-        </p:grpSpPr>
-        <p:pic>
-          <p:nvPicPr>
-            <p:cNvPr id="77" name="Object 76"/>
-            <p:cNvPicPr>
-              <a:picLocks noChangeAspect="1"/>
-            </p:cNvPicPr>
-            <p:nvPr/>
-          </p:nvPicPr>
-          <p:blipFill>
-            <a:blip r:embed="rId38" cstate="print"/>
-            <a:stretch>
-              <a:fillRect/>
-            </a:stretch>
-          </p:blipFill>
-          <p:spPr>
-            <a:xfrm>
-              <a:off x="10175889" y="6730225"/>
-              <a:ext cx="544255" cy="570321"/>
-            </a:xfrm>
-            <a:prstGeom prst="rect">
-              <a:avLst/>
-            </a:prstGeom>
-          </p:spPr>
-        </p:pic>
-      </p:grpSp>
-      <p:grpSp>
-        <p:nvGrpSpPr>
-          <p:cNvPr id="1021" name="그룹 1021"/>
-          <p:cNvGrpSpPr/>
-          <p:nvPr/>
-        </p:nvGrpSpPr>
-        <p:grpSpPr>
-          <a:xfrm>
-            <a:off x="10175889" y="7333281"/>
-            <a:ext cx="544255" cy="570321"/>
-            <a:chOff x="10175889" y="7333281"/>
-            <a:chExt cx="544255" cy="570321"/>
-          </a:xfrm>
-        </p:grpSpPr>
-        <p:pic>
-          <p:nvPicPr>
-            <p:cNvPr id="80" name="Object 79"/>
-            <p:cNvPicPr>
-              <a:picLocks noChangeAspect="1"/>
-            </p:cNvPicPr>
-            <p:nvPr/>
-          </p:nvPicPr>
-          <p:blipFill>
-            <a:blip r:embed="rId39" cstate="print"/>
-            <a:stretch>
-              <a:fillRect/>
-            </a:stretch>
-          </p:blipFill>
-          <p:spPr>
-            <a:xfrm>
-              <a:off x="10175889" y="7333281"/>
-              <a:ext cx="544255" cy="570321"/>
-            </a:xfrm>
-            <a:prstGeom prst="rect">
-              <a:avLst/>
-            </a:prstGeom>
-          </p:spPr>
-        </p:pic>
-      </p:grpSp>
-      <p:pic>
-        <p:nvPicPr>
-          <p:cNvPr id="82" name="Object 81"/>
+          <a:blip r:embed="rId37" cstate="print"/>
+          <a:stretch>
+            <a:fillRect/>
+          </a:stretch>
+        </p:blipFill>
+        <p:spPr>
+          <a:xfrm>
+            <a:off x="8644565" y="8501726"/>
+            <a:ext cx="1146890" cy="1774936"/>
+          </a:xfrm>
+          <a:prstGeom prst="rect">
+            <a:avLst/>
+          </a:prstGeom>
+        </p:spPr>
+      </p:pic>
+      <p:pic>
+        <p:nvPicPr>
+          <p:cNvPr id="64" name="Object 63"/>
+          <p:cNvPicPr>
+            <a:picLocks noChangeAspect="1"/>
+          </p:cNvPicPr>
+          <p:nvPr/>
+        </p:nvPicPr>
+        <p:blipFill>
+          <a:blip r:embed="rId38" cstate="print"/>
+          <a:stretch>
+            <a:fillRect/>
+          </a:stretch>
+        </p:blipFill>
+        <p:spPr>
+          <a:xfrm>
+            <a:off x="12185012" y="3550600"/>
+            <a:ext cx="1183180" cy="1774940"/>
+          </a:xfrm>
+          <a:prstGeom prst="rect">
+            <a:avLst/>
+          </a:prstGeom>
+        </p:spPr>
+      </p:pic>
+      <p:pic>
+        <p:nvPicPr>
+          <p:cNvPr id="65" name="Object 64"/>
+          <p:cNvPicPr>
+            <a:picLocks noChangeAspect="1"/>
+          </p:cNvPicPr>
+          <p:nvPr/>
+        </p:nvPicPr>
+        <p:blipFill>
+          <a:blip r:embed="rId39" cstate="print"/>
+          <a:stretch>
+            <a:fillRect/>
+          </a:stretch>
+        </p:blipFill>
+        <p:spPr>
+          <a:xfrm>
+            <a:off x="12185012" y="4700403"/>
+            <a:ext cx="1183180" cy="1774940"/>
+          </a:xfrm>
+          <a:prstGeom prst="rect">
+            <a:avLst/>
+          </a:prstGeom>
+        </p:spPr>
+      </p:pic>
+      <p:pic>
+        <p:nvPicPr>
+          <p:cNvPr id="66" name="Object 65"/>
           <p:cNvPicPr>
             <a:picLocks noChangeAspect="1"/>
           </p:cNvPicPr>
@@ -9889,17 +10447,17 @@
         </p:blipFill>
         <p:spPr>
           <a:xfrm>
-            <a:off x="10665150" y="4091710"/>
-            <a:ext cx="1854921" cy="991405"/>
-          </a:xfrm>
-          <a:prstGeom prst="rect">
-            <a:avLst/>
-          </a:prstGeom>
-        </p:spPr>
-      </p:pic>
-      <p:pic>
-        <p:nvPicPr>
-          <p:cNvPr id="83" name="Object 82"/>
+            <a:off x="12185012" y="5882309"/>
+            <a:ext cx="1183180" cy="1774940"/>
+          </a:xfrm>
+          <a:prstGeom prst="rect">
+            <a:avLst/>
+          </a:prstGeom>
+        </p:spPr>
+      </p:pic>
+      <p:pic>
+        <p:nvPicPr>
+          <p:cNvPr id="67" name="Object 66"/>
           <p:cNvPicPr>
             <a:picLocks noChangeAspect="1"/>
           </p:cNvPicPr>
@@ -9913,17 +10471,17 @@
         </p:blipFill>
         <p:spPr>
           <a:xfrm>
-            <a:off x="10665150" y="4768200"/>
-            <a:ext cx="2118608" cy="991405"/>
-          </a:xfrm>
-          <a:prstGeom prst="rect">
-            <a:avLst/>
-          </a:prstGeom>
-        </p:spPr>
-      </p:pic>
-      <p:pic>
-        <p:nvPicPr>
-          <p:cNvPr id="84" name="Object 83"/>
+            <a:off x="12181783" y="7176555"/>
+            <a:ext cx="1146890" cy="1774936"/>
+          </a:xfrm>
+          <a:prstGeom prst="rect">
+            <a:avLst/>
+          </a:prstGeom>
+        </p:spPr>
+      </p:pic>
+      <p:pic>
+        <p:nvPicPr>
+          <p:cNvPr id="68" name="Object 67"/>
           <p:cNvPicPr>
             <a:picLocks noChangeAspect="1"/>
           </p:cNvPicPr>
@@ -9937,17 +10495,17 @@
         </p:blipFill>
         <p:spPr>
           <a:xfrm>
-            <a:off x="10665150" y="5434516"/>
-            <a:ext cx="1517345" cy="991405"/>
-          </a:xfrm>
-          <a:prstGeom prst="rect">
-            <a:avLst/>
-          </a:prstGeom>
-        </p:spPr>
-      </p:pic>
-      <p:pic>
-        <p:nvPicPr>
-          <p:cNvPr id="85" name="Object 84"/>
+            <a:off x="12193021" y="8583507"/>
+            <a:ext cx="1146890" cy="1774936"/>
+          </a:xfrm>
+          <a:prstGeom prst="rect">
+            <a:avLst/>
+          </a:prstGeom>
+        </p:spPr>
+      </p:pic>
+      <p:pic>
+        <p:nvPicPr>
+          <p:cNvPr id="69" name="Object 68"/>
           <p:cNvPicPr>
             <a:picLocks noChangeAspect="1"/>
           </p:cNvPicPr>
@@ -9961,17 +10519,17 @@
         </p:blipFill>
         <p:spPr>
           <a:xfrm>
-            <a:off x="10665150" y="6082869"/>
-            <a:ext cx="1517345" cy="991405"/>
-          </a:xfrm>
-          <a:prstGeom prst="rect">
-            <a:avLst/>
-          </a:prstGeom>
-        </p:spPr>
-      </p:pic>
-      <p:pic>
-        <p:nvPicPr>
-          <p:cNvPr id="86" name="Object 85"/>
+            <a:off x="15811232" y="3550600"/>
+            <a:ext cx="1183180" cy="1774940"/>
+          </a:xfrm>
+          <a:prstGeom prst="rect">
+            <a:avLst/>
+          </a:prstGeom>
+        </p:spPr>
+      </p:pic>
+      <p:pic>
+        <p:nvPicPr>
+          <p:cNvPr id="70" name="Object 69"/>
           <p:cNvPicPr>
             <a:picLocks noChangeAspect="1"/>
           </p:cNvPicPr>
@@ -9985,17 +10543,17 @@
         </p:blipFill>
         <p:spPr>
           <a:xfrm>
-            <a:off x="10665150" y="6736623"/>
-            <a:ext cx="2118608" cy="991405"/>
-          </a:xfrm>
-          <a:prstGeom prst="rect">
-            <a:avLst/>
-          </a:prstGeom>
-        </p:spPr>
-      </p:pic>
-      <p:pic>
-        <p:nvPicPr>
-          <p:cNvPr id="87" name="Object 86"/>
+            <a:off x="15811232" y="4700403"/>
+            <a:ext cx="1183180" cy="1774940"/>
+          </a:xfrm>
+          <a:prstGeom prst="rect">
+            <a:avLst/>
+          </a:prstGeom>
+        </p:spPr>
+      </p:pic>
+      <p:pic>
+        <p:nvPicPr>
+          <p:cNvPr id="71" name="Object 70"/>
           <p:cNvPicPr>
             <a:picLocks noChangeAspect="1"/>
           </p:cNvPicPr>
@@ -10009,56 +10567,41 @@
         </p:blipFill>
         <p:spPr>
           <a:xfrm>
-            <a:off x="10665150" y="7339677"/>
-            <a:ext cx="1854921" cy="991405"/>
-          </a:xfrm>
-          <a:prstGeom prst="rect">
-            <a:avLst/>
-          </a:prstGeom>
-        </p:spPr>
-      </p:pic>
-      <p:grpSp>
-        <p:nvGrpSpPr>
-          <p:cNvPr id="1022" name="그룹 1022"/>
-          <p:cNvGrpSpPr/>
-          <p:nvPr/>
-        </p:nvGrpSpPr>
-        <p:grpSpPr>
-          <a:xfrm>
-            <a:off x="10175985" y="7936338"/>
-            <a:ext cx="544255" cy="570321"/>
-            <a:chOff x="10175985" y="7936338"/>
-            <a:chExt cx="544255" cy="570321"/>
-          </a:xfrm>
-        </p:grpSpPr>
-        <p:pic>
-          <p:nvPicPr>
-            <p:cNvPr id="89" name="Object 88"/>
-            <p:cNvPicPr>
-              <a:picLocks noChangeAspect="1"/>
-            </p:cNvPicPr>
-            <p:nvPr/>
-          </p:nvPicPr>
-          <p:blipFill>
-            <a:blip r:embed="rId46" cstate="print"/>
-            <a:stretch>
-              <a:fillRect/>
-            </a:stretch>
-          </p:blipFill>
-          <p:spPr>
-            <a:xfrm>
-              <a:off x="10175985" y="7936338"/>
-              <a:ext cx="544255" cy="570321"/>
-            </a:xfrm>
-            <a:prstGeom prst="rect">
-              <a:avLst/>
-            </a:prstGeom>
-          </p:spPr>
-        </p:pic>
-      </p:grpSp>
-      <p:pic>
-        <p:nvPicPr>
-          <p:cNvPr id="91" name="Object 90"/>
+            <a:off x="15811232" y="5882309"/>
+            <a:ext cx="1183180" cy="1774940"/>
+          </a:xfrm>
+          <a:prstGeom prst="rect">
+            <a:avLst/>
+          </a:prstGeom>
+        </p:spPr>
+      </p:pic>
+      <p:pic>
+        <p:nvPicPr>
+          <p:cNvPr id="72" name="Object 71"/>
+          <p:cNvPicPr>
+            <a:picLocks noChangeAspect="1"/>
+          </p:cNvPicPr>
+          <p:nvPr/>
+        </p:nvPicPr>
+        <p:blipFill>
+          <a:blip r:embed="rId46" cstate="print"/>
+          <a:stretch>
+            <a:fillRect/>
+          </a:stretch>
+        </p:blipFill>
+        <p:spPr>
+          <a:xfrm>
+            <a:off x="15808069" y="7176555"/>
+            <a:ext cx="1146890" cy="1774936"/>
+          </a:xfrm>
+          <a:prstGeom prst="rect">
+            <a:avLst/>
+          </a:prstGeom>
+        </p:spPr>
+      </p:pic>
+      <p:pic>
+        <p:nvPicPr>
+          <p:cNvPr id="73" name="Object 72"/>
           <p:cNvPicPr>
             <a:picLocks noChangeAspect="1"/>
           </p:cNvPicPr>
@@ -10072,260 +10615,8 @@
         </p:blipFill>
         <p:spPr>
           <a:xfrm>
-            <a:off x="10712926" y="7942732"/>
-            <a:ext cx="2724411" cy="991405"/>
-          </a:xfrm>
-          <a:prstGeom prst="rect">
-            <a:avLst/>
-          </a:prstGeom>
-        </p:spPr>
-      </p:pic>
-      <p:grpSp>
-        <p:nvGrpSpPr>
-          <p:cNvPr id="1023" name="그룹 1023"/>
-          <p:cNvGrpSpPr/>
-          <p:nvPr/>
-        </p:nvGrpSpPr>
-        <p:grpSpPr>
-          <a:xfrm>
-            <a:off x="10175985" y="8590092"/>
-            <a:ext cx="544255" cy="570321"/>
-            <a:chOff x="10175985" y="8590092"/>
-            <a:chExt cx="544255" cy="570321"/>
-          </a:xfrm>
-        </p:grpSpPr>
-        <p:pic>
-          <p:nvPicPr>
-            <p:cNvPr id="93" name="Object 92"/>
-            <p:cNvPicPr>
-              <a:picLocks noChangeAspect="1"/>
-            </p:cNvPicPr>
-            <p:nvPr/>
-          </p:nvPicPr>
-          <p:blipFill>
-            <a:blip r:embed="rId48" cstate="print"/>
-            <a:stretch>
-              <a:fillRect/>
-            </a:stretch>
-          </p:blipFill>
-          <p:spPr>
-            <a:xfrm>
-              <a:off x="10175985" y="8590092"/>
-              <a:ext cx="544255" cy="570321"/>
-            </a:xfrm>
-            <a:prstGeom prst="rect">
-              <a:avLst/>
-            </a:prstGeom>
-          </p:spPr>
-        </p:pic>
-      </p:grpSp>
-      <p:pic>
-        <p:nvPicPr>
-          <p:cNvPr id="95" name="Object 94"/>
-          <p:cNvPicPr>
-            <a:picLocks noChangeAspect="1"/>
-          </p:cNvPicPr>
-          <p:nvPr/>
-        </p:nvPicPr>
-        <p:blipFill>
-          <a:blip r:embed="rId49" cstate="print"/>
-          <a:stretch>
-            <a:fillRect/>
-          </a:stretch>
-        </p:blipFill>
-        <p:spPr>
-          <a:xfrm>
-            <a:off x="10712926" y="8596486"/>
-            <a:ext cx="2118608" cy="991405"/>
-          </a:xfrm>
-          <a:prstGeom prst="rect">
-            <a:avLst/>
-          </a:prstGeom>
-        </p:spPr>
-      </p:pic>
-      <p:grpSp>
-        <p:nvGrpSpPr>
-          <p:cNvPr id="1024" name="그룹 1024"/>
-          <p:cNvGrpSpPr/>
-          <p:nvPr/>
-        </p:nvGrpSpPr>
-        <p:grpSpPr>
-          <a:xfrm>
-            <a:off x="4522294" y="1764940"/>
-            <a:ext cx="544255" cy="570321"/>
-            <a:chOff x="4522294" y="1764940"/>
-            <a:chExt cx="544255" cy="570321"/>
-          </a:xfrm>
-        </p:grpSpPr>
-        <p:pic>
-          <p:nvPicPr>
-            <p:cNvPr id="97" name="Object 96"/>
-            <p:cNvPicPr>
-              <a:picLocks noChangeAspect="1"/>
-            </p:cNvPicPr>
-            <p:nvPr/>
-          </p:nvPicPr>
-          <p:blipFill>
-            <a:blip r:embed="rId50" cstate="print"/>
-            <a:stretch>
-              <a:fillRect/>
-            </a:stretch>
-          </p:blipFill>
-          <p:spPr>
-            <a:xfrm>
-              <a:off x="4522294" y="1764940"/>
-              <a:ext cx="544255" cy="570321"/>
-            </a:xfrm>
-            <a:prstGeom prst="rect">
-              <a:avLst/>
-            </a:prstGeom>
-          </p:spPr>
-        </p:pic>
-      </p:grpSp>
-      <p:grpSp>
-        <p:nvGrpSpPr>
-          <p:cNvPr id="1025" name="그룹 1025"/>
-          <p:cNvGrpSpPr/>
-          <p:nvPr/>
-        </p:nvGrpSpPr>
-        <p:grpSpPr>
-          <a:xfrm>
-            <a:off x="8848313" y="1777106"/>
-            <a:ext cx="544255" cy="570321"/>
-            <a:chOff x="8848313" y="1777106"/>
-            <a:chExt cx="544255" cy="570321"/>
-          </a:xfrm>
-        </p:grpSpPr>
-        <p:pic>
-          <p:nvPicPr>
-            <p:cNvPr id="100" name="Object 99"/>
-            <p:cNvPicPr>
-              <a:picLocks noChangeAspect="1"/>
-            </p:cNvPicPr>
-            <p:nvPr/>
-          </p:nvPicPr>
-          <p:blipFill>
-            <a:blip r:embed="rId51" cstate="print"/>
-            <a:stretch>
-              <a:fillRect/>
-            </a:stretch>
-          </p:blipFill>
-          <p:spPr>
-            <a:xfrm>
-              <a:off x="8848313" y="1777106"/>
-              <a:ext cx="544255" cy="570321"/>
-            </a:xfrm>
-            <a:prstGeom prst="rect">
-              <a:avLst/>
-            </a:prstGeom>
-          </p:spPr>
-        </p:pic>
-      </p:grpSp>
-      <p:grpSp>
-        <p:nvGrpSpPr>
-          <p:cNvPr id="1026" name="그룹 1026"/>
-          <p:cNvGrpSpPr/>
-          <p:nvPr/>
-        </p:nvGrpSpPr>
-        <p:grpSpPr>
-          <a:xfrm>
-            <a:off x="6420982" y="1778433"/>
-            <a:ext cx="544255" cy="570321"/>
-            <a:chOff x="6420982" y="1778433"/>
-            <a:chExt cx="544255" cy="570321"/>
-          </a:xfrm>
-        </p:grpSpPr>
-        <p:pic>
-          <p:nvPicPr>
-            <p:cNvPr id="103" name="Object 102"/>
-            <p:cNvPicPr>
-              <a:picLocks noChangeAspect="1"/>
-            </p:cNvPicPr>
-            <p:nvPr/>
-          </p:nvPicPr>
-          <p:blipFill>
-            <a:blip r:embed="rId52" cstate="print"/>
-            <a:stretch>
-              <a:fillRect/>
-            </a:stretch>
-          </p:blipFill>
-          <p:spPr>
-            <a:xfrm>
-              <a:off x="6420982" y="1778433"/>
-              <a:ext cx="544255" cy="570321"/>
-            </a:xfrm>
-            <a:prstGeom prst="rect">
-              <a:avLst/>
-            </a:prstGeom>
-          </p:spPr>
-        </p:pic>
-      </p:grpSp>
-      <p:pic>
-        <p:nvPicPr>
-          <p:cNvPr id="105" name="Object 104"/>
-          <p:cNvPicPr>
-            <a:picLocks noChangeAspect="1"/>
-          </p:cNvPicPr>
-          <p:nvPr/>
-        </p:nvPicPr>
-        <p:blipFill>
-          <a:blip r:embed="rId53" cstate="print"/>
-          <a:stretch>
-            <a:fillRect/>
-          </a:stretch>
-        </p:blipFill>
-        <p:spPr>
-          <a:xfrm>
-            <a:off x="4958890" y="1766332"/>
-            <a:ext cx="1757703" cy="1095121"/>
-          </a:xfrm>
-          <a:prstGeom prst="rect">
-            <a:avLst/>
-          </a:prstGeom>
-        </p:spPr>
-      </p:pic>
-      <p:pic>
-        <p:nvPicPr>
-          <p:cNvPr id="106" name="Object 105"/>
-          <p:cNvPicPr>
-            <a:picLocks noChangeAspect="1"/>
-          </p:cNvPicPr>
-          <p:nvPr/>
-        </p:nvPicPr>
-        <p:blipFill>
-          <a:blip r:embed="rId54" cstate="print"/>
-          <a:stretch>
-            <a:fillRect/>
-          </a:stretch>
-        </p:blipFill>
-        <p:spPr>
-          <a:xfrm>
-            <a:off x="6818687" y="1781210"/>
-            <a:ext cx="2340249" cy="1095121"/>
-          </a:xfrm>
-          <a:prstGeom prst="rect">
-            <a:avLst/>
-          </a:prstGeom>
-        </p:spPr>
-      </p:pic>
-      <p:pic>
-        <p:nvPicPr>
-          <p:cNvPr id="107" name="Object 106"/>
-          <p:cNvPicPr>
-            <a:picLocks noChangeAspect="1"/>
-          </p:cNvPicPr>
-          <p:nvPr/>
-        </p:nvPicPr>
-        <p:blipFill>
-          <a:blip r:embed="rId55" cstate="print"/>
-          <a:stretch>
-            <a:fillRect/>
-          </a:stretch>
-        </p:blipFill>
-        <p:spPr>
-          <a:xfrm>
-            <a:off x="9240005" y="1775727"/>
-            <a:ext cx="4251127" cy="1095121"/>
+            <a:off x="15819212" y="8583507"/>
+            <a:ext cx="1146890" cy="1774936"/>
           </a:xfrm>
           <a:prstGeom prst="rect">
             <a:avLst/>
@@ -10444,8 +10735,8 @@
         </p:blipFill>
         <p:spPr>
           <a:xfrm>
-            <a:off x="17443810" y="9847334"/>
-            <a:ext cx="883344" cy="570158"/>
+            <a:off x="17440001" y="9843525"/>
+            <a:ext cx="898581" cy="633508"/>
           </a:xfrm>
           <a:prstGeom prst="rect">
             <a:avLst/>
@@ -10484,10 +10775,10 @@
         </p:nvGrpSpPr>
         <p:grpSpPr>
           <a:xfrm>
-            <a:off x="1628922" y="3855290"/>
-            <a:ext cx="15027870" cy="4025045"/>
-            <a:chOff x="1628922" y="3855290"/>
-            <a:chExt cx="15027870" cy="4025045"/>
+            <a:off x="5359942" y="3414824"/>
+            <a:ext cx="1689769" cy="2253025"/>
+            <a:chOff x="5359942" y="3414824"/>
+            <a:chExt cx="1689769" cy="2253025"/>
           </a:xfrm>
         </p:grpSpPr>
         <p:pic>
@@ -10506,8 +10797,8 @@
           </p:blipFill>
           <p:spPr>
             <a:xfrm>
-              <a:off x="1628922" y="3855290"/>
-              <a:ext cx="15027870" cy="4025045"/>
+              <a:off x="5359942" y="3414824"/>
+              <a:ext cx="1689769" cy="2253025"/>
             </a:xfrm>
             <a:prstGeom prst="rect">
               <a:avLst/>
@@ -10531,8 +10822,8 @@
         </p:blipFill>
         <p:spPr>
           <a:xfrm>
-            <a:off x="210934" y="1688230"/>
-            <a:ext cx="4229763" cy="1774940"/>
+            <a:off x="210935" y="1688231"/>
+            <a:ext cx="5306211" cy="1774936"/>
           </a:xfrm>
           <a:prstGeom prst="rect">
             <a:avLst/>
@@ -10555,56 +10846,527 @@
         </p:blipFill>
         <p:spPr>
           <a:xfrm>
-            <a:off x="3850451" y="3024530"/>
-            <a:ext cx="10008220" cy="1013613"/>
-          </a:xfrm>
-          <a:prstGeom prst="rect">
-            <a:avLst/>
-          </a:prstGeom>
-        </p:spPr>
-      </p:pic>
-      <p:pic>
-        <p:nvPicPr>
-          <p:cNvPr id="13" name="Object 12"/>
-          <p:cNvPicPr>
-            <a:picLocks noChangeAspect="1"/>
-          </p:cNvPicPr>
-          <p:nvPr/>
-        </p:nvPicPr>
-        <p:blipFill>
-          <a:blip r:embed="rId9" cstate="print"/>
-          <a:stretch>
-            <a:fillRect/>
-          </a:stretch>
-        </p:blipFill>
-        <p:spPr>
-          <a:xfrm>
-            <a:off x="10957967" y="7476302"/>
-            <a:ext cx="5443559" cy="887470"/>
-          </a:xfrm>
-          <a:prstGeom prst="rect">
-            <a:avLst/>
-          </a:prstGeom>
-        </p:spPr>
-      </p:pic>
-      <p:pic>
-        <p:nvPicPr>
-          <p:cNvPr id="14" name="Object 13"/>
-          <p:cNvPicPr>
-            <a:picLocks noChangeAspect="1"/>
-          </p:cNvPicPr>
-          <p:nvPr/>
-        </p:nvPicPr>
-        <p:blipFill>
-          <a:blip r:embed="rId10" cstate="print"/>
-          <a:stretch>
-            <a:fillRect/>
-          </a:stretch>
-        </p:blipFill>
-        <p:spPr>
-          <a:xfrm>
-            <a:off x="5676608" y="8421447"/>
-            <a:ext cx="6418417" cy="1267016"/>
+            <a:off x="8146625" y="2346558"/>
+            <a:ext cx="9295963" cy="2129931"/>
+          </a:xfrm>
+          <a:prstGeom prst="rect">
+            <a:avLst/>
+          </a:prstGeom>
+        </p:spPr>
+      </p:pic>
+      <p:grpSp>
+        <p:nvGrpSpPr>
+          <p:cNvPr id="1003" name="그룹 1003"/>
+          <p:cNvGrpSpPr/>
+          <p:nvPr/>
+        </p:nvGrpSpPr>
+        <p:grpSpPr>
+          <a:xfrm>
+            <a:off x="9602658" y="3414824"/>
+            <a:ext cx="1850879" cy="2268656"/>
+            <a:chOff x="9602658" y="3414824"/>
+            <a:chExt cx="1850879" cy="2268656"/>
+          </a:xfrm>
+        </p:grpSpPr>
+        <p:pic>
+          <p:nvPicPr>
+            <p:cNvPr id="14" name="Object 13"/>
+            <p:cNvPicPr>
+              <a:picLocks noChangeAspect="1"/>
+            </p:cNvPicPr>
+            <p:nvPr/>
+          </p:nvPicPr>
+          <p:blipFill>
+            <a:blip r:embed="rId9" cstate="print"/>
+            <a:stretch>
+              <a:fillRect/>
+            </a:stretch>
+          </p:blipFill>
+          <p:spPr>
+            <a:xfrm>
+              <a:off x="9602658" y="3414824"/>
+              <a:ext cx="1850879" cy="2268656"/>
+            </a:xfrm>
+            <a:prstGeom prst="rect">
+              <a:avLst/>
+            </a:prstGeom>
+          </p:spPr>
+        </p:pic>
+      </p:grpSp>
+      <p:grpSp>
+        <p:nvGrpSpPr>
+          <p:cNvPr id="1004" name="그룹 1004"/>
+          <p:cNvGrpSpPr/>
+          <p:nvPr/>
+        </p:nvGrpSpPr>
+        <p:grpSpPr>
+          <a:xfrm>
+            <a:off x="5428730" y="4045978"/>
+            <a:ext cx="5835641" cy="5835641"/>
+            <a:chOff x="5428730" y="4045978"/>
+            <a:chExt cx="5835641" cy="5835641"/>
+          </a:xfrm>
+        </p:grpSpPr>
+        <p:grpSp>
+          <p:nvGrpSpPr>
+            <p:cNvPr id="1005" name="그룹 1005"/>
+            <p:cNvGrpSpPr/>
+            <p:nvPr/>
+          </p:nvGrpSpPr>
+          <p:grpSpPr>
+            <a:xfrm>
+              <a:off x="6283126" y="4900801"/>
+              <a:ext cx="4126849" cy="4125994"/>
+              <a:chOff x="6283126" y="4900801"/>
+              <a:chExt cx="4126849" cy="4125994"/>
+            </a:xfrm>
+          </p:grpSpPr>
+          <p:pic>
+            <p:nvPicPr>
+              <p:cNvPr id="18" name="Object 17"/>
+              <p:cNvPicPr>
+                <a:picLocks noChangeAspect="1"/>
+              </p:cNvPicPr>
+              <p:nvPr/>
+            </p:nvPicPr>
+            <p:blipFill>
+              <a:blip r:embed="rId10" cstate="print"/>
+              <a:stretch>
+                <a:fillRect/>
+              </a:stretch>
+            </p:blipFill>
+            <p:spPr>
+              <a:xfrm rot="-2700000">
+                <a:off x="6283126" y="4900801"/>
+                <a:ext cx="4126849" cy="4125994"/>
+              </a:xfrm>
+              <a:prstGeom prst="rect">
+                <a:avLst/>
+              </a:prstGeom>
+            </p:spPr>
+          </p:pic>
+        </p:grpSp>
+        <p:grpSp>
+          <p:nvGrpSpPr>
+            <p:cNvPr id="1006" name="그룹 1006"/>
+            <p:cNvGrpSpPr/>
+            <p:nvPr/>
+          </p:nvGrpSpPr>
+          <p:grpSpPr>
+            <a:xfrm>
+              <a:off x="6123648" y="4740896"/>
+              <a:ext cx="2151641" cy="2151641"/>
+              <a:chOff x="6123648" y="4740896"/>
+              <a:chExt cx="2151641" cy="2151641"/>
+            </a:xfrm>
+          </p:grpSpPr>
+          <p:pic>
+            <p:nvPicPr>
+              <p:cNvPr id="21" name="Object 20"/>
+              <p:cNvPicPr>
+                <a:picLocks noChangeAspect="1"/>
+              </p:cNvPicPr>
+              <p:nvPr/>
+            </p:nvPicPr>
+            <p:blipFill>
+              <a:blip r:embed="rId11" cstate="print"/>
+              <a:stretch>
+                <a:fillRect/>
+              </a:stretch>
+            </p:blipFill>
+            <p:spPr>
+              <a:xfrm>
+                <a:off x="6123648" y="4740896"/>
+                <a:ext cx="2151641" cy="2151641"/>
+              </a:xfrm>
+              <a:prstGeom prst="rect">
+                <a:avLst/>
+              </a:prstGeom>
+            </p:spPr>
+          </p:pic>
+        </p:grpSp>
+        <p:grpSp>
+          <p:nvGrpSpPr>
+            <p:cNvPr id="1007" name="그룹 1007"/>
+            <p:cNvGrpSpPr/>
+            <p:nvPr/>
+          </p:nvGrpSpPr>
+          <p:grpSpPr>
+            <a:xfrm>
+              <a:off x="8417812" y="4740896"/>
+              <a:ext cx="2151641" cy="2151641"/>
+              <a:chOff x="8417812" y="4740896"/>
+              <a:chExt cx="2151641" cy="2151641"/>
+            </a:xfrm>
+          </p:grpSpPr>
+          <p:pic>
+            <p:nvPicPr>
+              <p:cNvPr id="24" name="Object 23"/>
+              <p:cNvPicPr>
+                <a:picLocks noChangeAspect="1"/>
+              </p:cNvPicPr>
+              <p:nvPr/>
+            </p:nvPicPr>
+            <p:blipFill>
+              <a:blip r:embed="rId12" cstate="print"/>
+              <a:stretch>
+                <a:fillRect/>
+              </a:stretch>
+            </p:blipFill>
+            <p:spPr>
+              <a:xfrm>
+                <a:off x="8417812" y="4740896"/>
+                <a:ext cx="2151641" cy="2151641"/>
+              </a:xfrm>
+              <a:prstGeom prst="rect">
+                <a:avLst/>
+              </a:prstGeom>
+            </p:spPr>
+          </p:pic>
+        </p:grpSp>
+        <p:pic>
+          <p:nvPicPr>
+            <p:cNvPr id="26" name="Object 25"/>
+            <p:cNvPicPr>
+              <a:picLocks noChangeAspect="1"/>
+            </p:cNvPicPr>
+            <p:nvPr/>
+          </p:nvPicPr>
+          <p:blipFill>
+            <a:blip r:embed="rId13" cstate="print"/>
+            <a:stretch>
+              <a:fillRect/>
+            </a:stretch>
+          </p:blipFill>
+          <p:spPr>
+            <a:xfrm>
+              <a:off x="8537585" y="5113690"/>
+              <a:ext cx="1931235" cy="1321321"/>
+            </a:xfrm>
+            <a:prstGeom prst="rect">
+              <a:avLst/>
+            </a:prstGeom>
+          </p:spPr>
+        </p:pic>
+        <p:grpSp>
+          <p:nvGrpSpPr>
+            <p:cNvPr id="1008" name="그룹 1008"/>
+            <p:cNvGrpSpPr/>
+            <p:nvPr/>
+          </p:nvGrpSpPr>
+          <p:grpSpPr>
+            <a:xfrm>
+              <a:off x="6123648" y="7035060"/>
+              <a:ext cx="2151641" cy="2151641"/>
+              <a:chOff x="6123648" y="7035060"/>
+              <a:chExt cx="2151641" cy="2151641"/>
+            </a:xfrm>
+          </p:grpSpPr>
+          <p:pic>
+            <p:nvPicPr>
+              <p:cNvPr id="28" name="Object 27"/>
+              <p:cNvPicPr>
+                <a:picLocks noChangeAspect="1"/>
+              </p:cNvPicPr>
+              <p:nvPr/>
+            </p:nvPicPr>
+            <p:blipFill>
+              <a:blip r:embed="rId14" cstate="print"/>
+              <a:stretch>
+                <a:fillRect/>
+              </a:stretch>
+            </p:blipFill>
+            <p:spPr>
+              <a:xfrm>
+                <a:off x="6123648" y="7035060"/>
+                <a:ext cx="2151641" cy="2151641"/>
+              </a:xfrm>
+              <a:prstGeom prst="rect">
+                <a:avLst/>
+              </a:prstGeom>
+            </p:spPr>
+          </p:pic>
+        </p:grpSp>
+        <p:grpSp>
+          <p:nvGrpSpPr>
+            <p:cNvPr id="1009" name="그룹 1009"/>
+            <p:cNvGrpSpPr/>
+            <p:nvPr/>
+          </p:nvGrpSpPr>
+          <p:grpSpPr>
+            <a:xfrm>
+              <a:off x="8417812" y="7035060"/>
+              <a:ext cx="2151641" cy="2151641"/>
+              <a:chOff x="8417812" y="7035060"/>
+              <a:chExt cx="2151641" cy="2151641"/>
+            </a:xfrm>
+          </p:grpSpPr>
+          <p:pic>
+            <p:nvPicPr>
+              <p:cNvPr id="31" name="Object 30"/>
+              <p:cNvPicPr>
+                <a:picLocks noChangeAspect="1"/>
+              </p:cNvPicPr>
+              <p:nvPr/>
+            </p:nvPicPr>
+            <p:blipFill>
+              <a:blip r:embed="rId15" cstate="print"/>
+              <a:stretch>
+                <a:fillRect/>
+              </a:stretch>
+            </p:blipFill>
+            <p:spPr>
+              <a:xfrm>
+                <a:off x="8417812" y="7035060"/>
+                <a:ext cx="2151641" cy="2151641"/>
+              </a:xfrm>
+              <a:prstGeom prst="rect">
+                <a:avLst/>
+              </a:prstGeom>
+            </p:spPr>
+          </p:pic>
+        </p:grpSp>
+        <p:pic>
+          <p:nvPicPr>
+            <p:cNvPr id="33" name="Object 32"/>
+            <p:cNvPicPr>
+              <a:picLocks noChangeAspect="1"/>
+            </p:cNvPicPr>
+            <p:nvPr/>
+          </p:nvPicPr>
+          <p:blipFill>
+            <a:blip r:embed="rId16" cstate="print"/>
+            <a:stretch>
+              <a:fillRect/>
+            </a:stretch>
+          </p:blipFill>
+          <p:spPr>
+            <a:xfrm>
+              <a:off x="6243425" y="5113694"/>
+              <a:ext cx="1931235" cy="1321321"/>
+            </a:xfrm>
+            <a:prstGeom prst="rect">
+              <a:avLst/>
+            </a:prstGeom>
+          </p:spPr>
+        </p:pic>
+        <p:pic>
+          <p:nvPicPr>
+            <p:cNvPr id="34" name="Object 33"/>
+            <p:cNvPicPr>
+              <a:picLocks noChangeAspect="1"/>
+            </p:cNvPicPr>
+            <p:nvPr/>
+          </p:nvPicPr>
+          <p:blipFill>
+            <a:blip r:embed="rId17" cstate="print"/>
+            <a:stretch>
+              <a:fillRect/>
+            </a:stretch>
+          </p:blipFill>
+          <p:spPr>
+            <a:xfrm>
+              <a:off x="6243424" y="7407859"/>
+              <a:ext cx="1931235" cy="1321321"/>
+            </a:xfrm>
+            <a:prstGeom prst="rect">
+              <a:avLst/>
+            </a:prstGeom>
+          </p:spPr>
+        </p:pic>
+        <p:pic>
+          <p:nvPicPr>
+            <p:cNvPr id="35" name="Object 34"/>
+            <p:cNvPicPr>
+              <a:picLocks noChangeAspect="1"/>
+            </p:cNvPicPr>
+            <p:nvPr/>
+          </p:nvPicPr>
+          <p:blipFill>
+            <a:blip r:embed="rId18" cstate="print"/>
+            <a:stretch>
+              <a:fillRect/>
+            </a:stretch>
+          </p:blipFill>
+          <p:spPr>
+            <a:xfrm>
+              <a:off x="8537585" y="7407859"/>
+              <a:ext cx="1931232" cy="1321319"/>
+            </a:xfrm>
+            <a:prstGeom prst="rect">
+              <a:avLst/>
+            </a:prstGeom>
+          </p:spPr>
+        </p:pic>
+      </p:grpSp>
+      <p:grpSp>
+        <p:nvGrpSpPr>
+          <p:cNvPr id="1010" name="그룹 1010"/>
+          <p:cNvGrpSpPr/>
+          <p:nvPr/>
+        </p:nvGrpSpPr>
+        <p:grpSpPr>
+          <a:xfrm>
+            <a:off x="9719251" y="8343503"/>
+            <a:ext cx="2281605" cy="1520920"/>
+            <a:chOff x="9719251" y="8343503"/>
+            <a:chExt cx="2281605" cy="1520920"/>
+          </a:xfrm>
+        </p:grpSpPr>
+        <p:pic>
+          <p:nvPicPr>
+            <p:cNvPr id="38" name="Object 37"/>
+            <p:cNvPicPr>
+              <a:picLocks noChangeAspect="1"/>
+            </p:cNvPicPr>
+            <p:nvPr/>
+          </p:nvPicPr>
+          <p:blipFill>
+            <a:blip r:embed="rId19" cstate="print"/>
+            <a:stretch>
+              <a:fillRect/>
+            </a:stretch>
+          </p:blipFill>
+          <p:spPr>
+            <a:xfrm>
+              <a:off x="9719251" y="8343503"/>
+              <a:ext cx="2281605" cy="1520920"/>
+            </a:xfrm>
+            <a:prstGeom prst="rect">
+              <a:avLst/>
+            </a:prstGeom>
+          </p:spPr>
+        </p:pic>
+      </p:grpSp>
+      <p:grpSp>
+        <p:nvGrpSpPr>
+          <p:cNvPr id="1011" name="그룹 1011"/>
+          <p:cNvGrpSpPr/>
+          <p:nvPr/>
+        </p:nvGrpSpPr>
+        <p:grpSpPr>
+          <a:xfrm>
+            <a:off x="4779994" y="8504771"/>
+            <a:ext cx="2207093" cy="1359651"/>
+            <a:chOff x="4779994" y="8504771"/>
+            <a:chExt cx="2207093" cy="1359651"/>
+          </a:xfrm>
+        </p:grpSpPr>
+        <p:pic>
+          <p:nvPicPr>
+            <p:cNvPr id="41" name="Object 40"/>
+            <p:cNvPicPr>
+              <a:picLocks noChangeAspect="1"/>
+            </p:cNvPicPr>
+            <p:nvPr/>
+          </p:nvPicPr>
+          <p:blipFill>
+            <a:blip r:embed="rId20" cstate="print"/>
+            <a:stretch>
+              <a:fillRect/>
+            </a:stretch>
+          </p:blipFill>
+          <p:spPr>
+            <a:xfrm>
+              <a:off x="4779994" y="8504771"/>
+              <a:ext cx="2207093" cy="1359651"/>
+            </a:xfrm>
+            <a:prstGeom prst="rect">
+              <a:avLst/>
+            </a:prstGeom>
+          </p:spPr>
+        </p:pic>
+      </p:grpSp>
+      <p:pic>
+        <p:nvPicPr>
+          <p:cNvPr id="43" name="Object 42"/>
+          <p:cNvPicPr>
+            <a:picLocks noChangeAspect="1"/>
+          </p:cNvPicPr>
+          <p:nvPr/>
+        </p:nvPicPr>
+        <p:blipFill>
+          <a:blip r:embed="rId21" cstate="print"/>
+          <a:stretch>
+            <a:fillRect/>
+          </a:stretch>
+        </p:blipFill>
+        <p:spPr>
+          <a:xfrm>
+            <a:off x="3845172" y="5591661"/>
+            <a:ext cx="2257321" cy="1267013"/>
+          </a:xfrm>
+          <a:prstGeom prst="rect">
+            <a:avLst/>
+          </a:prstGeom>
+        </p:spPr>
+      </p:pic>
+      <p:pic>
+        <p:nvPicPr>
+          <p:cNvPr id="44" name="Object 43"/>
+          <p:cNvPicPr>
+            <a:picLocks noChangeAspect="1"/>
+          </p:cNvPicPr>
+          <p:nvPr/>
+        </p:nvPicPr>
+        <p:blipFill>
+          <a:blip r:embed="rId22" cstate="print"/>
+          <a:stretch>
+            <a:fillRect/>
+          </a:stretch>
+        </p:blipFill>
+        <p:spPr>
+          <a:xfrm>
+            <a:off x="3830480" y="7466326"/>
+            <a:ext cx="2257321" cy="1267013"/>
+          </a:xfrm>
+          <a:prstGeom prst="rect">
+            <a:avLst/>
+          </a:prstGeom>
+        </p:spPr>
+      </p:pic>
+      <p:pic>
+        <p:nvPicPr>
+          <p:cNvPr id="45" name="Object 44"/>
+          <p:cNvPicPr>
+            <a:picLocks noChangeAspect="1"/>
+          </p:cNvPicPr>
+          <p:nvPr/>
+        </p:nvPicPr>
+        <p:blipFill>
+          <a:blip r:embed="rId23" cstate="print"/>
+          <a:stretch>
+            <a:fillRect/>
+          </a:stretch>
+        </p:blipFill>
+        <p:spPr>
+          <a:xfrm>
+            <a:off x="10783907" y="5591659"/>
+            <a:ext cx="2257321" cy="1267013"/>
+          </a:xfrm>
+          <a:prstGeom prst="rect">
+            <a:avLst/>
+          </a:prstGeom>
+        </p:spPr>
+      </p:pic>
+      <p:pic>
+        <p:nvPicPr>
+          <p:cNvPr id="46" name="Object 45"/>
+          <p:cNvPicPr>
+            <a:picLocks noChangeAspect="1"/>
+          </p:cNvPicPr>
+          <p:nvPr/>
+        </p:nvPicPr>
+        <p:blipFill>
+          <a:blip r:embed="rId24" cstate="print"/>
+          <a:stretch>
+            <a:fillRect/>
+          </a:stretch>
+        </p:blipFill>
+        <p:spPr>
+          <a:xfrm>
+            <a:off x="10783907" y="7366831"/>
+            <a:ext cx="2257321" cy="1267013"/>
           </a:xfrm>
           <a:prstGeom prst="rect">
             <a:avLst/>
@@ -10723,8 +11485,8 @@
         </p:blipFill>
         <p:spPr>
           <a:xfrm>
-            <a:off x="17443810" y="9847334"/>
-            <a:ext cx="883344" cy="570158"/>
+            <a:off x="17440001" y="9843525"/>
+            <a:ext cx="898581" cy="633508"/>
           </a:xfrm>
           <a:prstGeom prst="rect">
             <a:avLst/>
@@ -10749,6 +11511,54 @@
           <a:xfrm>
             <a:off x="309345" y="121753"/>
             <a:ext cx="2906338" cy="1321712"/>
+          </a:xfrm>
+          <a:prstGeom prst="rect">
+            <a:avLst/>
+          </a:prstGeom>
+        </p:spPr>
+      </p:pic>
+      <p:pic>
+        <p:nvPicPr>
+          <p:cNvPr id="8" name="Object 7"/>
+          <p:cNvPicPr>
+            <a:picLocks noChangeAspect="1"/>
+          </p:cNvPicPr>
+          <p:nvPr/>
+        </p:nvPicPr>
+        <p:blipFill>
+          <a:blip r:embed="rId6" cstate="print"/>
+          <a:stretch>
+            <a:fillRect/>
+          </a:stretch>
+        </p:blipFill>
+        <p:spPr>
+          <a:xfrm>
+            <a:off x="210935" y="1688231"/>
+            <a:ext cx="4834125" cy="1774936"/>
+          </a:xfrm>
+          <a:prstGeom prst="rect">
+            <a:avLst/>
+          </a:prstGeom>
+        </p:spPr>
+      </p:pic>
+      <p:pic>
+        <p:nvPicPr>
+          <p:cNvPr id="9" name="Object 8"/>
+          <p:cNvPicPr>
+            <a:picLocks noChangeAspect="1"/>
+          </p:cNvPicPr>
+          <p:nvPr/>
+        </p:nvPicPr>
+        <p:blipFill>
+          <a:blip r:embed="rId7" cstate="print"/>
+          <a:stretch>
+            <a:fillRect/>
+          </a:stretch>
+        </p:blipFill>
+        <p:spPr>
+          <a:xfrm>
+            <a:off x="2499068" y="7939115"/>
+            <a:ext cx="4603248" cy="1653677"/>
           </a:xfrm>
           <a:prstGeom prst="rect">
             <a:avLst/>
@@ -10763,30 +11573,30 @@
         </p:nvGrpSpPr>
         <p:grpSpPr>
           <a:xfrm>
-            <a:off x="5359942" y="3414824"/>
-            <a:ext cx="1689769" cy="2253025"/>
-            <a:chOff x="5359942" y="3414824"/>
-            <a:chExt cx="1689769" cy="2253025"/>
+            <a:off x="2141973" y="4208949"/>
+            <a:ext cx="5040842" cy="2614937"/>
+            <a:chOff x="2141973" y="4208949"/>
+            <a:chExt cx="5040842" cy="2614937"/>
           </a:xfrm>
         </p:grpSpPr>
         <p:pic>
           <p:nvPicPr>
-            <p:cNvPr id="9" name="Object 8"/>
-            <p:cNvPicPr>
-              <a:picLocks noChangeAspect="1"/>
-            </p:cNvPicPr>
-            <p:nvPr/>
-          </p:nvPicPr>
-          <p:blipFill>
-            <a:blip r:embed="rId6" cstate="print"/>
+            <p:cNvPr id="11" name="Object 10"/>
+            <p:cNvPicPr>
+              <a:picLocks noChangeAspect="1"/>
+            </p:cNvPicPr>
+            <p:nvPr/>
+          </p:nvPicPr>
+          <p:blipFill>
+            <a:blip r:embed="rId8" cstate="print"/>
             <a:stretch>
               <a:fillRect/>
             </a:stretch>
           </p:blipFill>
           <p:spPr>
             <a:xfrm>
-              <a:off x="5359942" y="3414824"/>
-              <a:ext cx="1689769" cy="2253025"/>
+              <a:off x="2141973" y="4208949"/>
+              <a:ext cx="5040842" cy="2614937"/>
             </a:xfrm>
             <a:prstGeom prst="rect">
               <a:avLst/>
@@ -10794,54 +11604,6 @@
           </p:spPr>
         </p:pic>
       </p:grpSp>
-      <p:pic>
-        <p:nvPicPr>
-          <p:cNvPr id="11" name="Object 10"/>
-          <p:cNvPicPr>
-            <a:picLocks noChangeAspect="1"/>
-          </p:cNvPicPr>
-          <p:nvPr/>
-        </p:nvPicPr>
-        <p:blipFill>
-          <a:blip r:embed="rId7" cstate="print"/>
-          <a:stretch>
-            <a:fillRect/>
-          </a:stretch>
-        </p:blipFill>
-        <p:spPr>
-          <a:xfrm>
-            <a:off x="210934" y="1688230"/>
-            <a:ext cx="4229763" cy="1774940"/>
-          </a:xfrm>
-          <a:prstGeom prst="rect">
-            <a:avLst/>
-          </a:prstGeom>
-        </p:spPr>
-      </p:pic>
-      <p:pic>
-        <p:nvPicPr>
-          <p:cNvPr id="12" name="Object 11"/>
-          <p:cNvPicPr>
-            <a:picLocks noChangeAspect="1"/>
-          </p:cNvPicPr>
-          <p:nvPr/>
-        </p:nvPicPr>
-        <p:blipFill>
-          <a:blip r:embed="rId8" cstate="print"/>
-          <a:stretch>
-            <a:fillRect/>
-          </a:stretch>
-        </p:blipFill>
-        <p:spPr>
-          <a:xfrm>
-            <a:off x="8146622" y="2346559"/>
-            <a:ext cx="9295950" cy="2129928"/>
-          </a:xfrm>
-          <a:prstGeom prst="rect">
-            <a:avLst/>
-          </a:prstGeom>
-        </p:spPr>
-      </p:pic>
       <p:grpSp>
         <p:nvGrpSpPr>
           <p:cNvPr id="1003" name="그룹 1003"/>
@@ -10850,10 +11612,10 @@
         </p:nvGrpSpPr>
         <p:grpSpPr>
           <a:xfrm>
-            <a:off x="9602658" y="3414824"/>
-            <a:ext cx="1850879" cy="2268656"/>
-            <a:chOff x="9602658" y="3414824"/>
-            <a:chExt cx="1850879" cy="2268656"/>
+            <a:off x="11683096" y="3552986"/>
+            <a:ext cx="3161124" cy="3926863"/>
+            <a:chOff x="11683096" y="3552986"/>
+            <a:chExt cx="3161124" cy="3926863"/>
           </a:xfrm>
         </p:grpSpPr>
         <p:pic>
@@ -10872,8 +11634,8 @@
           </p:blipFill>
           <p:spPr>
             <a:xfrm>
-              <a:off x="9602658" y="3414824"/>
-              <a:ext cx="1850879" cy="2268656"/>
+              <a:off x="11683096" y="3552986"/>
+              <a:ext cx="3161124" cy="3926863"/>
             </a:xfrm>
             <a:prstGeom prst="rect">
               <a:avLst/>
@@ -10889,297 +11651,30 @@
         </p:nvGrpSpPr>
         <p:grpSpPr>
           <a:xfrm>
-            <a:off x="5428730" y="4045978"/>
-            <a:ext cx="5835641" cy="5835641"/>
-            <a:chOff x="5428730" y="4045978"/>
-            <a:chExt cx="5835641" cy="5835641"/>
+            <a:off x="10927310" y="3164785"/>
+            <a:ext cx="2386679" cy="2386679"/>
+            <a:chOff x="10927310" y="3164785"/>
+            <a:chExt cx="2386679" cy="2386679"/>
           </a:xfrm>
         </p:grpSpPr>
-        <p:grpSp>
-          <p:nvGrpSpPr>
-            <p:cNvPr id="1005" name="그룹 1005"/>
-            <p:cNvGrpSpPr/>
-            <p:nvPr/>
-          </p:nvGrpSpPr>
-          <p:grpSpPr>
+        <p:pic>
+          <p:nvPicPr>
+            <p:cNvPr id="17" name="Object 16"/>
+            <p:cNvPicPr>
+              <a:picLocks noChangeAspect="1"/>
+            </p:cNvPicPr>
+            <p:nvPr/>
+          </p:nvPicPr>
+          <p:blipFill>
+            <a:blip r:embed="rId10" cstate="print"/>
+            <a:stretch>
+              <a:fillRect/>
+            </a:stretch>
+          </p:blipFill>
+          <p:spPr>
             <a:xfrm>
-              <a:off x="6283126" y="4900801"/>
-              <a:ext cx="4126849" cy="4125994"/>
-              <a:chOff x="6283126" y="4900801"/>
-              <a:chExt cx="4126849" cy="4125994"/>
-            </a:xfrm>
-          </p:grpSpPr>
-          <p:pic>
-            <p:nvPicPr>
-              <p:cNvPr id="18" name="Object 17"/>
-              <p:cNvPicPr>
-                <a:picLocks noChangeAspect="1"/>
-              </p:cNvPicPr>
-              <p:nvPr/>
-            </p:nvPicPr>
-            <p:blipFill>
-              <a:blip r:embed="rId10" cstate="print"/>
-              <a:stretch>
-                <a:fillRect/>
-              </a:stretch>
-            </p:blipFill>
-            <p:spPr>
-              <a:xfrm rot="-2700000">
-                <a:off x="6283126" y="4900801"/>
-                <a:ext cx="4126849" cy="4125994"/>
-              </a:xfrm>
-              <a:prstGeom prst="rect">
-                <a:avLst/>
-              </a:prstGeom>
-            </p:spPr>
-          </p:pic>
-        </p:grpSp>
-        <p:grpSp>
-          <p:nvGrpSpPr>
-            <p:cNvPr id="1006" name="그룹 1006"/>
-            <p:cNvGrpSpPr/>
-            <p:nvPr/>
-          </p:nvGrpSpPr>
-          <p:grpSpPr>
-            <a:xfrm>
-              <a:off x="6123648" y="4740896"/>
-              <a:ext cx="2151641" cy="2151641"/>
-              <a:chOff x="6123648" y="4740896"/>
-              <a:chExt cx="2151641" cy="2151641"/>
-            </a:xfrm>
-          </p:grpSpPr>
-          <p:pic>
-            <p:nvPicPr>
-              <p:cNvPr id="21" name="Object 20"/>
-              <p:cNvPicPr>
-                <a:picLocks noChangeAspect="1"/>
-              </p:cNvPicPr>
-              <p:nvPr/>
-            </p:nvPicPr>
-            <p:blipFill>
-              <a:blip r:embed="rId11" cstate="print"/>
-              <a:stretch>
-                <a:fillRect/>
-              </a:stretch>
-            </p:blipFill>
-            <p:spPr>
-              <a:xfrm>
-                <a:off x="6123648" y="4740896"/>
-                <a:ext cx="2151641" cy="2151641"/>
-              </a:xfrm>
-              <a:prstGeom prst="rect">
-                <a:avLst/>
-              </a:prstGeom>
-            </p:spPr>
-          </p:pic>
-        </p:grpSp>
-        <p:grpSp>
-          <p:nvGrpSpPr>
-            <p:cNvPr id="1007" name="그룹 1007"/>
-            <p:cNvGrpSpPr/>
-            <p:nvPr/>
-          </p:nvGrpSpPr>
-          <p:grpSpPr>
-            <a:xfrm>
-              <a:off x="8417812" y="4740896"/>
-              <a:ext cx="2151641" cy="2151641"/>
-              <a:chOff x="8417812" y="4740896"/>
-              <a:chExt cx="2151641" cy="2151641"/>
-            </a:xfrm>
-          </p:grpSpPr>
-          <p:pic>
-            <p:nvPicPr>
-              <p:cNvPr id="24" name="Object 23"/>
-              <p:cNvPicPr>
-                <a:picLocks noChangeAspect="1"/>
-              </p:cNvPicPr>
-              <p:nvPr/>
-            </p:nvPicPr>
-            <p:blipFill>
-              <a:blip r:embed="rId12" cstate="print"/>
-              <a:stretch>
-                <a:fillRect/>
-              </a:stretch>
-            </p:blipFill>
-            <p:spPr>
-              <a:xfrm>
-                <a:off x="8417812" y="4740896"/>
-                <a:ext cx="2151641" cy="2151641"/>
-              </a:xfrm>
-              <a:prstGeom prst="rect">
-                <a:avLst/>
-              </a:prstGeom>
-            </p:spPr>
-          </p:pic>
-        </p:grpSp>
-        <p:pic>
-          <p:nvPicPr>
-            <p:cNvPr id="26" name="Object 25"/>
-            <p:cNvPicPr>
-              <a:picLocks noChangeAspect="1"/>
-            </p:cNvPicPr>
-            <p:nvPr/>
-          </p:nvPicPr>
-          <p:blipFill>
-            <a:blip r:embed="rId13" cstate="print"/>
-            <a:stretch>
-              <a:fillRect/>
-            </a:stretch>
-          </p:blipFill>
-          <p:spPr>
-            <a:xfrm>
-              <a:off x="8537585" y="5113690"/>
-              <a:ext cx="1931235" cy="1321321"/>
-            </a:xfrm>
-            <a:prstGeom prst="rect">
-              <a:avLst/>
-            </a:prstGeom>
-          </p:spPr>
-        </p:pic>
-        <p:grpSp>
-          <p:nvGrpSpPr>
-            <p:cNvPr id="1008" name="그룹 1008"/>
-            <p:cNvGrpSpPr/>
-            <p:nvPr/>
-          </p:nvGrpSpPr>
-          <p:grpSpPr>
-            <a:xfrm>
-              <a:off x="6123648" y="7035060"/>
-              <a:ext cx="2151641" cy="2151641"/>
-              <a:chOff x="6123648" y="7035060"/>
-              <a:chExt cx="2151641" cy="2151641"/>
-            </a:xfrm>
-          </p:grpSpPr>
-          <p:pic>
-            <p:nvPicPr>
-              <p:cNvPr id="28" name="Object 27"/>
-              <p:cNvPicPr>
-                <a:picLocks noChangeAspect="1"/>
-              </p:cNvPicPr>
-              <p:nvPr/>
-            </p:nvPicPr>
-            <p:blipFill>
-              <a:blip r:embed="rId14" cstate="print"/>
-              <a:stretch>
-                <a:fillRect/>
-              </a:stretch>
-            </p:blipFill>
-            <p:spPr>
-              <a:xfrm>
-                <a:off x="6123648" y="7035060"/>
-                <a:ext cx="2151641" cy="2151641"/>
-              </a:xfrm>
-              <a:prstGeom prst="rect">
-                <a:avLst/>
-              </a:prstGeom>
-            </p:spPr>
-          </p:pic>
-        </p:grpSp>
-        <p:grpSp>
-          <p:nvGrpSpPr>
-            <p:cNvPr id="1009" name="그룹 1009"/>
-            <p:cNvGrpSpPr/>
-            <p:nvPr/>
-          </p:nvGrpSpPr>
-          <p:grpSpPr>
-            <a:xfrm>
-              <a:off x="8417812" y="7035060"/>
-              <a:ext cx="2151641" cy="2151641"/>
-              <a:chOff x="8417812" y="7035060"/>
-              <a:chExt cx="2151641" cy="2151641"/>
-            </a:xfrm>
-          </p:grpSpPr>
-          <p:pic>
-            <p:nvPicPr>
-              <p:cNvPr id="31" name="Object 30"/>
-              <p:cNvPicPr>
-                <a:picLocks noChangeAspect="1"/>
-              </p:cNvPicPr>
-              <p:nvPr/>
-            </p:nvPicPr>
-            <p:blipFill>
-              <a:blip r:embed="rId15" cstate="print"/>
-              <a:stretch>
-                <a:fillRect/>
-              </a:stretch>
-            </p:blipFill>
-            <p:spPr>
-              <a:xfrm>
-                <a:off x="8417812" y="7035060"/>
-                <a:ext cx="2151641" cy="2151641"/>
-              </a:xfrm>
-              <a:prstGeom prst="rect">
-                <a:avLst/>
-              </a:prstGeom>
-            </p:spPr>
-          </p:pic>
-        </p:grpSp>
-        <p:pic>
-          <p:nvPicPr>
-            <p:cNvPr id="33" name="Object 32"/>
-            <p:cNvPicPr>
-              <a:picLocks noChangeAspect="1"/>
-            </p:cNvPicPr>
-            <p:nvPr/>
-          </p:nvPicPr>
-          <p:blipFill>
-            <a:blip r:embed="rId16" cstate="print"/>
-            <a:stretch>
-              <a:fillRect/>
-            </a:stretch>
-          </p:blipFill>
-          <p:spPr>
-            <a:xfrm>
-              <a:off x="6243425" y="5113694"/>
-              <a:ext cx="1931235" cy="1321321"/>
-            </a:xfrm>
-            <a:prstGeom prst="rect">
-              <a:avLst/>
-            </a:prstGeom>
-          </p:spPr>
-        </p:pic>
-        <p:pic>
-          <p:nvPicPr>
-            <p:cNvPr id="34" name="Object 33"/>
-            <p:cNvPicPr>
-              <a:picLocks noChangeAspect="1"/>
-            </p:cNvPicPr>
-            <p:nvPr/>
-          </p:nvPicPr>
-          <p:blipFill>
-            <a:blip r:embed="rId17" cstate="print"/>
-            <a:stretch>
-              <a:fillRect/>
-            </a:stretch>
-          </p:blipFill>
-          <p:spPr>
-            <a:xfrm>
-              <a:off x="6243424" y="7407859"/>
-              <a:ext cx="1931235" cy="1321321"/>
-            </a:xfrm>
-            <a:prstGeom prst="rect">
-              <a:avLst/>
-            </a:prstGeom>
-          </p:spPr>
-        </p:pic>
-        <p:pic>
-          <p:nvPicPr>
-            <p:cNvPr id="35" name="Object 34"/>
-            <p:cNvPicPr>
-              <a:picLocks noChangeAspect="1"/>
-            </p:cNvPicPr>
-            <p:nvPr/>
-          </p:nvPicPr>
-          <p:blipFill>
-            <a:blip r:embed="rId18" cstate="print"/>
-            <a:stretch>
-              <a:fillRect/>
-            </a:stretch>
-          </p:blipFill>
-          <p:spPr>
-            <a:xfrm>
-              <a:off x="8537585" y="7407859"/>
-              <a:ext cx="1931232" cy="1321319"/>
+              <a:off x="10927310" y="3164785"/>
+              <a:ext cx="2386679" cy="2386679"/>
             </a:xfrm>
             <a:prstGeom prst="rect">
               <a:avLst/>
@@ -11187,84 +11682,30 @@
           </p:spPr>
         </p:pic>
       </p:grpSp>
-      <p:grpSp>
-        <p:nvGrpSpPr>
-          <p:cNvPr id="1010" name="그룹 1010"/>
-          <p:cNvGrpSpPr/>
-          <p:nvPr/>
-        </p:nvGrpSpPr>
-        <p:grpSpPr>
-          <a:xfrm>
-            <a:off x="9719251" y="8343503"/>
-            <a:ext cx="2281605" cy="1520920"/>
-            <a:chOff x="9719251" y="8343503"/>
-            <a:chExt cx="2281605" cy="1520920"/>
-          </a:xfrm>
-        </p:grpSpPr>
-        <p:pic>
-          <p:nvPicPr>
-            <p:cNvPr id="38" name="Object 37"/>
-            <p:cNvPicPr>
-              <a:picLocks noChangeAspect="1"/>
-            </p:cNvPicPr>
-            <p:nvPr/>
-          </p:nvPicPr>
-          <p:blipFill>
-            <a:blip r:embed="rId19" cstate="print"/>
-            <a:stretch>
-              <a:fillRect/>
-            </a:stretch>
-          </p:blipFill>
-          <p:spPr>
-            <a:xfrm>
-              <a:off x="9719251" y="8343503"/>
-              <a:ext cx="2281605" cy="1520920"/>
-            </a:xfrm>
-            <a:prstGeom prst="rect">
-              <a:avLst/>
-            </a:prstGeom>
-          </p:spPr>
-        </p:pic>
-      </p:grpSp>
-      <p:grpSp>
-        <p:nvGrpSpPr>
-          <p:cNvPr id="1011" name="그룹 1011"/>
-          <p:cNvGrpSpPr/>
-          <p:nvPr/>
-        </p:nvGrpSpPr>
-        <p:grpSpPr>
-          <a:xfrm>
-            <a:off x="4779994" y="8504771"/>
-            <a:ext cx="2207093" cy="1359651"/>
-            <a:chOff x="4779994" y="8504771"/>
-            <a:chExt cx="2207093" cy="1359651"/>
-          </a:xfrm>
-        </p:grpSpPr>
-        <p:pic>
-          <p:nvPicPr>
-            <p:cNvPr id="41" name="Object 40"/>
-            <p:cNvPicPr>
-              <a:picLocks noChangeAspect="1"/>
-            </p:cNvPicPr>
-            <p:nvPr/>
-          </p:nvPicPr>
-          <p:blipFill>
-            <a:blip r:embed="rId20" cstate="print"/>
-            <a:stretch>
-              <a:fillRect/>
-            </a:stretch>
-          </p:blipFill>
-          <p:spPr>
-            <a:xfrm>
-              <a:off x="4779994" y="8504771"/>
-              <a:ext cx="2207093" cy="1359651"/>
-            </a:xfrm>
-            <a:prstGeom prst="rect">
-              <a:avLst/>
-            </a:prstGeom>
-          </p:spPr>
-        </p:pic>
-      </p:grpSp>
+      <p:pic>
+        <p:nvPicPr>
+          <p:cNvPr id="19" name="Object 18"/>
+          <p:cNvPicPr>
+            <a:picLocks noChangeAspect="1"/>
+          </p:cNvPicPr>
+          <p:nvPr/>
+        </p:nvPicPr>
+        <p:blipFill>
+          <a:blip r:embed="rId11" cstate="print"/>
+          <a:stretch>
+            <a:fillRect/>
+          </a:stretch>
+        </p:blipFill>
+        <p:spPr>
+          <a:xfrm>
+            <a:off x="11100331" y="7963092"/>
+            <a:ext cx="4057925" cy="1653677"/>
+          </a:xfrm>
+          <a:prstGeom prst="rect">
+            <a:avLst/>
+          </a:prstGeom>
+        </p:spPr>
+      </p:pic>
     </p:spTree>
   </p:cSld>
   <p:clrMapOvr>
@@ -11425,8 +11866,8 @@
         </p:blipFill>
         <p:spPr>
           <a:xfrm>
-            <a:off x="790216" y="1839693"/>
-            <a:ext cx="3889962" cy="1774940"/>
+            <a:off x="7146030" y="1825921"/>
+            <a:ext cx="3889953" cy="1774936"/>
           </a:xfrm>
           <a:prstGeom prst="rect">
             <a:avLst/>
@@ -11449,7 +11890,7 @@
         </p:blipFill>
         <p:spPr>
           <a:xfrm>
-            <a:off x="830850" y="6978835"/>
+            <a:off x="7186666" y="6965064"/>
             <a:ext cx="4484912" cy="1419956"/>
           </a:xfrm>
           <a:prstGeom prst="rect">
@@ -11465,9 +11906,9 @@
         </p:nvGrpSpPr>
         <p:grpSpPr>
           <a:xfrm>
-            <a:off x="1605223" y="3393640"/>
+            <a:off x="7961040" y="3379869"/>
             <a:ext cx="2405094" cy="2996812"/>
-            <a:chOff x="1605223" y="3393640"/>
+            <a:chOff x="7961040" y="3379869"/>
             <a:chExt cx="2405094" cy="2996812"/>
           </a:xfrm>
         </p:grpSpPr>
@@ -11487,7 +11928,7 @@
           </p:blipFill>
           <p:spPr>
             <a:xfrm>
-              <a:off x="470329" y="1958322"/>
+              <a:off x="6826145" y="1944550"/>
               <a:ext cx="4810189" cy="5993625"/>
             </a:xfrm>
             <a:prstGeom prst="rect">
@@ -11511,7 +11952,7 @@
           </p:blipFill>
           <p:spPr>
             <a:xfrm>
-              <a:off x="1605223" y="3393640"/>
+              <a:off x="7961040" y="3379869"/>
               <a:ext cx="2405094" cy="2996812"/>
             </a:xfrm>
             <a:prstGeom prst="rect">
@@ -11536,8 +11977,8 @@
         </p:blipFill>
         <p:spPr>
           <a:xfrm>
-            <a:off x="7058557" y="1825924"/>
-            <a:ext cx="4229762" cy="1774940"/>
+            <a:off x="12263909" y="1805329"/>
+            <a:ext cx="4229753" cy="1774936"/>
           </a:xfrm>
           <a:prstGeom prst="rect">
             <a:avLst/>
@@ -11552,9 +11993,9 @@
         </p:nvGrpSpPr>
         <p:grpSpPr>
           <a:xfrm>
-            <a:off x="7283133" y="3393640"/>
+            <a:off x="12488498" y="3373048"/>
             <a:ext cx="3719448" cy="2996812"/>
-            <a:chOff x="7283133" y="3393640"/>
+            <a:chOff x="12488498" y="3373048"/>
             <a:chExt cx="3719448" cy="2996812"/>
           </a:xfrm>
         </p:grpSpPr>
@@ -11574,7 +12015,7 @@
           </p:blipFill>
           <p:spPr>
             <a:xfrm>
-              <a:off x="5507707" y="1973843"/>
+              <a:off x="10713071" y="1953251"/>
               <a:ext cx="7438896" cy="5993625"/>
             </a:xfrm>
             <a:prstGeom prst="rect">
@@ -11598,7 +12039,7 @@
           </p:blipFill>
           <p:spPr>
             <a:xfrm>
-              <a:off x="7283133" y="3393640"/>
+              <a:off x="12488498" y="3373048"/>
               <a:ext cx="3719448" cy="2996812"/>
             </a:xfrm>
             <a:prstGeom prst="rect">
@@ -11623,8 +12064,56 @@
         </p:blipFill>
         <p:spPr>
           <a:xfrm>
-            <a:off x="7351710" y="6978832"/>
+            <a:off x="12557075" y="6958240"/>
             <a:ext cx="3895568" cy="3361437"/>
+          </a:xfrm>
+          <a:prstGeom prst="rect">
+            <a:avLst/>
+          </a:prstGeom>
+        </p:spPr>
+      </p:pic>
+      <p:pic>
+        <p:nvPicPr>
+          <p:cNvPr id="20" name="Object 19"/>
+          <p:cNvPicPr>
+            <a:picLocks noChangeAspect="1"/>
+          </p:cNvPicPr>
+          <p:nvPr/>
+        </p:nvPicPr>
+        <p:blipFill>
+          <a:blip r:embed="rId14" cstate="print"/>
+          <a:stretch>
+            <a:fillRect/>
+          </a:stretch>
+        </p:blipFill>
+        <p:spPr>
+          <a:xfrm>
+            <a:off x="1219564" y="1880878"/>
+            <a:ext cx="4229753" cy="1774936"/>
+          </a:xfrm>
+          <a:prstGeom prst="rect">
+            <a:avLst/>
+          </a:prstGeom>
+        </p:spPr>
+      </p:pic>
+      <p:pic>
+        <p:nvPicPr>
+          <p:cNvPr id="21" name="Object 20"/>
+          <p:cNvPicPr>
+            <a:picLocks noChangeAspect="1"/>
+          </p:cNvPicPr>
+          <p:nvPr/>
+        </p:nvPicPr>
+        <p:blipFill>
+          <a:blip r:embed="rId15" cstate="print"/>
+          <a:stretch>
+            <a:fillRect/>
+          </a:stretch>
+        </p:blipFill>
+        <p:spPr>
+          <a:xfrm>
+            <a:off x="151651" y="7020014"/>
+            <a:ext cx="5280753" cy="2390703"/>
           </a:xfrm>
           <a:prstGeom prst="rect">
             <a:avLst/>
@@ -11639,54 +12128,30 @@
         </p:nvGrpSpPr>
         <p:grpSpPr>
           <a:xfrm>
-            <a:off x="13236660" y="3283559"/>
-            <a:ext cx="3718596" cy="3718596"/>
-            <a:chOff x="13236660" y="3283559"/>
-            <a:chExt cx="3718596" cy="3718596"/>
+            <a:off x="-329472" y="3948365"/>
+            <a:ext cx="7513935" cy="2012522"/>
+            <a:chOff x="-329472" y="3948365"/>
+            <a:chExt cx="7513935" cy="2012522"/>
           </a:xfrm>
         </p:grpSpPr>
         <p:pic>
           <p:nvPicPr>
-            <p:cNvPr id="21" name="Object 20"/>
-            <p:cNvPicPr>
-              <a:picLocks noChangeAspect="1"/>
-            </p:cNvPicPr>
-            <p:nvPr/>
-          </p:nvPicPr>
-          <p:blipFill>
-            <a:blip r:embed="rId14" cstate="print"/>
+            <p:cNvPr id="23" name="Object 22"/>
+            <p:cNvPicPr>
+              <a:picLocks noChangeAspect="1"/>
+            </p:cNvPicPr>
+            <p:nvPr/>
+          </p:nvPicPr>
+          <p:blipFill>
+            <a:blip r:embed="rId16" cstate="print"/>
             <a:stretch>
               <a:fillRect/>
             </a:stretch>
           </p:blipFill>
           <p:spPr>
             <a:xfrm>
-              <a:off x="11481963" y="1521803"/>
-              <a:ext cx="7437191" cy="7437191"/>
-            </a:xfrm>
-            <a:prstGeom prst="rect">
-              <a:avLst/>
-            </a:prstGeom>
-          </p:spPr>
-        </p:pic>
-        <p:pic>
-          <p:nvPicPr>
-            <p:cNvPr id="22" name="Object 21"/>
-            <p:cNvPicPr>
-              <a:picLocks noChangeAspect="1"/>
-            </p:cNvPicPr>
-            <p:nvPr/>
-          </p:nvPicPr>
-          <p:blipFill>
-            <a:blip r:embed="rId15" cstate="print"/>
-            <a:stretch>
-              <a:fillRect/>
-            </a:stretch>
-          </p:blipFill>
-          <p:spPr>
-            <a:xfrm>
-              <a:off x="13236660" y="3283559"/>
-              <a:ext cx="3718596" cy="3718596"/>
+              <a:off x="-329472" y="3948365"/>
+              <a:ext cx="7513935" cy="2012522"/>
             </a:xfrm>
             <a:prstGeom prst="rect">
               <a:avLst/>
@@ -11694,93 +12159,6 @@
           </p:spPr>
         </p:pic>
       </p:grpSp>
-      <p:grpSp>
-        <p:nvGrpSpPr>
-          <p:cNvPr id="1005" name="그룹 1005"/>
-          <p:cNvGrpSpPr/>
-          <p:nvPr/>
-        </p:nvGrpSpPr>
-        <p:grpSpPr>
-          <a:xfrm>
-            <a:off x="13236660" y="3283559"/>
-            <a:ext cx="1366249" cy="1272412"/>
-            <a:chOff x="13236660" y="3283559"/>
-            <a:chExt cx="1366249" cy="1272412"/>
-          </a:xfrm>
-        </p:grpSpPr>
-        <p:pic>
-          <p:nvPicPr>
-            <p:cNvPr id="25" name="Object 24"/>
-            <p:cNvPicPr>
-              <a:picLocks noChangeAspect="1"/>
-            </p:cNvPicPr>
-            <p:nvPr/>
-          </p:nvPicPr>
-          <p:blipFill>
-            <a:blip r:embed="rId16" cstate="print"/>
-            <a:stretch>
-              <a:fillRect/>
-            </a:stretch>
-          </p:blipFill>
-          <p:spPr>
-            <a:xfrm>
-              <a:off x="13236660" y="3283559"/>
-              <a:ext cx="1366249" cy="1272412"/>
-            </a:xfrm>
-            <a:prstGeom prst="rect">
-              <a:avLst/>
-            </a:prstGeom>
-          </p:spPr>
-        </p:pic>
-      </p:grpSp>
-      <p:pic>
-        <p:nvPicPr>
-          <p:cNvPr id="27" name="Object 26"/>
-          <p:cNvPicPr>
-            <a:picLocks noChangeAspect="1"/>
-          </p:cNvPicPr>
-          <p:nvPr/>
-        </p:nvPicPr>
-        <p:blipFill>
-          <a:blip r:embed="rId17" cstate="print"/>
-          <a:stretch>
-            <a:fillRect/>
-          </a:stretch>
-        </p:blipFill>
-        <p:spPr>
-          <a:xfrm>
-            <a:off x="12520902" y="1839693"/>
-            <a:ext cx="4834135" cy="1774940"/>
-          </a:xfrm>
-          <a:prstGeom prst="rect">
-            <a:avLst/>
-          </a:prstGeom>
-        </p:spPr>
-      </p:pic>
-      <p:pic>
-        <p:nvPicPr>
-          <p:cNvPr id="28" name="Object 27"/>
-          <p:cNvPicPr>
-            <a:picLocks noChangeAspect="1"/>
-          </p:cNvPicPr>
-          <p:nvPr/>
-        </p:nvPicPr>
-        <p:blipFill>
-          <a:blip r:embed="rId18" cstate="print"/>
-          <a:stretch>
-            <a:fillRect/>
-          </a:stretch>
-        </p:blipFill>
-        <p:spPr>
-          <a:xfrm>
-            <a:off x="12910440" y="6978832"/>
-            <a:ext cx="4220884" cy="2390698"/>
-          </a:xfrm>
-          <a:prstGeom prst="rect">
-            <a:avLst/>
-          </a:prstGeom>
-        </p:spPr>
-      </p:pic>
     </p:spTree>
   </p:cSld>
   <p:clrMapOvr>
